--- a/presentazione1.pptx
+++ b/presentazione1.pptx
@@ -5,79 +5,82 @@
     <p:sldMasterId id="2147483648" r:id="rId1"/>
   </p:sldMasterIdLst>
   <p:notesMasterIdLst>
-    <p:notesMasterId r:id="rId72"/>
+    <p:notesMasterId r:id="rId75"/>
   </p:notesMasterIdLst>
   <p:sldIdLst>
-    <p:sldId id="256" r:id="rId2"/>
-    <p:sldId id="258" r:id="rId3"/>
-    <p:sldId id="259" r:id="rId4"/>
-    <p:sldId id="260" r:id="rId5"/>
-    <p:sldId id="261" r:id="rId6"/>
-    <p:sldId id="262" r:id="rId7"/>
-    <p:sldId id="263" r:id="rId8"/>
-    <p:sldId id="264" r:id="rId9"/>
-    <p:sldId id="265" r:id="rId10"/>
-    <p:sldId id="266" r:id="rId11"/>
-    <p:sldId id="267" r:id="rId12"/>
-    <p:sldId id="268" r:id="rId13"/>
-    <p:sldId id="269" r:id="rId14"/>
-    <p:sldId id="270" r:id="rId15"/>
-    <p:sldId id="271" r:id="rId16"/>
-    <p:sldId id="274" r:id="rId17"/>
-    <p:sldId id="273" r:id="rId18"/>
-    <p:sldId id="278" r:id="rId19"/>
-    <p:sldId id="275" r:id="rId20"/>
-    <p:sldId id="272" r:id="rId21"/>
-    <p:sldId id="279" r:id="rId22"/>
-    <p:sldId id="280" r:id="rId23"/>
-    <p:sldId id="281" r:id="rId24"/>
-    <p:sldId id="276" r:id="rId25"/>
-    <p:sldId id="277" r:id="rId26"/>
-    <p:sldId id="288" r:id="rId27"/>
-    <p:sldId id="283" r:id="rId28"/>
-    <p:sldId id="286" r:id="rId29"/>
-    <p:sldId id="285" r:id="rId30"/>
-    <p:sldId id="284" r:id="rId31"/>
-    <p:sldId id="287" r:id="rId32"/>
-    <p:sldId id="282" r:id="rId33"/>
-    <p:sldId id="293" r:id="rId34"/>
-    <p:sldId id="294" r:id="rId35"/>
-    <p:sldId id="289" r:id="rId36"/>
-    <p:sldId id="290" r:id="rId37"/>
-    <p:sldId id="291" r:id="rId38"/>
-    <p:sldId id="292" r:id="rId39"/>
-    <p:sldId id="295" r:id="rId40"/>
-    <p:sldId id="296" r:id="rId41"/>
-    <p:sldId id="297" r:id="rId42"/>
-    <p:sldId id="298" r:id="rId43"/>
-    <p:sldId id="299" r:id="rId44"/>
-    <p:sldId id="302" r:id="rId45"/>
-    <p:sldId id="301" r:id="rId46"/>
-    <p:sldId id="300" r:id="rId47"/>
-    <p:sldId id="303" r:id="rId48"/>
-    <p:sldId id="310" r:id="rId49"/>
-    <p:sldId id="311" r:id="rId50"/>
-    <p:sldId id="304" r:id="rId51"/>
-    <p:sldId id="305" r:id="rId52"/>
-    <p:sldId id="306" r:id="rId53"/>
-    <p:sldId id="307" r:id="rId54"/>
-    <p:sldId id="324" r:id="rId55"/>
-    <p:sldId id="309" r:id="rId56"/>
-    <p:sldId id="312" r:id="rId57"/>
-    <p:sldId id="313" r:id="rId58"/>
-    <p:sldId id="314" r:id="rId59"/>
-    <p:sldId id="315" r:id="rId60"/>
-    <p:sldId id="316" r:id="rId61"/>
-    <p:sldId id="317" r:id="rId62"/>
-    <p:sldId id="326" r:id="rId63"/>
-    <p:sldId id="319" r:id="rId64"/>
-    <p:sldId id="320" r:id="rId65"/>
-    <p:sldId id="321" r:id="rId66"/>
-    <p:sldId id="322" r:id="rId67"/>
-    <p:sldId id="323" r:id="rId68"/>
-    <p:sldId id="318" r:id="rId69"/>
-    <p:sldId id="325" r:id="rId70"/>
-    <p:sldId id="308" r:id="rId71"/>
+    <p:sldId id="327" r:id="rId2"/>
+    <p:sldId id="256" r:id="rId3"/>
+    <p:sldId id="258" r:id="rId4"/>
+    <p:sldId id="259" r:id="rId5"/>
+    <p:sldId id="260" r:id="rId6"/>
+    <p:sldId id="261" r:id="rId7"/>
+    <p:sldId id="262" r:id="rId8"/>
+    <p:sldId id="263" r:id="rId9"/>
+    <p:sldId id="264" r:id="rId10"/>
+    <p:sldId id="265" r:id="rId11"/>
+    <p:sldId id="266" r:id="rId12"/>
+    <p:sldId id="267" r:id="rId13"/>
+    <p:sldId id="268" r:id="rId14"/>
+    <p:sldId id="269" r:id="rId15"/>
+    <p:sldId id="270" r:id="rId16"/>
+    <p:sldId id="271" r:id="rId17"/>
+    <p:sldId id="274" r:id="rId18"/>
+    <p:sldId id="273" r:id="rId19"/>
+    <p:sldId id="278" r:id="rId20"/>
+    <p:sldId id="275" r:id="rId21"/>
+    <p:sldId id="272" r:id="rId22"/>
+    <p:sldId id="279" r:id="rId23"/>
+    <p:sldId id="280" r:id="rId24"/>
+    <p:sldId id="281" r:id="rId25"/>
+    <p:sldId id="276" r:id="rId26"/>
+    <p:sldId id="277" r:id="rId27"/>
+    <p:sldId id="288" r:id="rId28"/>
+    <p:sldId id="283" r:id="rId29"/>
+    <p:sldId id="286" r:id="rId30"/>
+    <p:sldId id="285" r:id="rId31"/>
+    <p:sldId id="284" r:id="rId32"/>
+    <p:sldId id="287" r:id="rId33"/>
+    <p:sldId id="282" r:id="rId34"/>
+    <p:sldId id="293" r:id="rId35"/>
+    <p:sldId id="294" r:id="rId36"/>
+    <p:sldId id="289" r:id="rId37"/>
+    <p:sldId id="290" r:id="rId38"/>
+    <p:sldId id="291" r:id="rId39"/>
+    <p:sldId id="292" r:id="rId40"/>
+    <p:sldId id="295" r:id="rId41"/>
+    <p:sldId id="296" r:id="rId42"/>
+    <p:sldId id="297" r:id="rId43"/>
+    <p:sldId id="298" r:id="rId44"/>
+    <p:sldId id="299" r:id="rId45"/>
+    <p:sldId id="302" r:id="rId46"/>
+    <p:sldId id="301" r:id="rId47"/>
+    <p:sldId id="300" r:id="rId48"/>
+    <p:sldId id="303" r:id="rId49"/>
+    <p:sldId id="310" r:id="rId50"/>
+    <p:sldId id="311" r:id="rId51"/>
+    <p:sldId id="304" r:id="rId52"/>
+    <p:sldId id="305" r:id="rId53"/>
+    <p:sldId id="306" r:id="rId54"/>
+    <p:sldId id="307" r:id="rId55"/>
+    <p:sldId id="324" r:id="rId56"/>
+    <p:sldId id="309" r:id="rId57"/>
+    <p:sldId id="312" r:id="rId58"/>
+    <p:sldId id="313" r:id="rId59"/>
+    <p:sldId id="314" r:id="rId60"/>
+    <p:sldId id="315" r:id="rId61"/>
+    <p:sldId id="316" r:id="rId62"/>
+    <p:sldId id="317" r:id="rId63"/>
+    <p:sldId id="326" r:id="rId64"/>
+    <p:sldId id="319" r:id="rId65"/>
+    <p:sldId id="320" r:id="rId66"/>
+    <p:sldId id="321" r:id="rId67"/>
+    <p:sldId id="322" r:id="rId68"/>
+    <p:sldId id="323" r:id="rId69"/>
+    <p:sldId id="318" r:id="rId70"/>
+    <p:sldId id="325" r:id="rId71"/>
+    <p:sldId id="308" r:id="rId72"/>
+    <p:sldId id="328" r:id="rId73"/>
+    <p:sldId id="329" r:id="rId74"/>
   </p:sldIdLst>
   <p:sldSz cx="12192000" cy="6858000"/>
   <p:notesSz cx="6858000" cy="9144000"/>
@@ -266,7 +269,7 @@
           <a:p>
             <a:fld id="{AB92E732-FCC5-2E4D-A695-F25642919CC6}" type="datetimeFigureOut">
               <a:rPr lang="it-IT" smtClean="0"/>
-              <a:t>14/02/23</a:t>
+              <a:t>17/02/23</a:t>
             </a:fld>
             <a:endParaRPr lang="it-IT"/>
           </a:p>
@@ -577,7 +580,7 @@
           <a:bodyPr/>
           <a:lstStyle/>
           <a:p>
-            <a:endParaRPr lang="it-IT"/>
+            <a:endParaRPr lang="it-IT" dirty="0"/>
           </a:p>
         </p:txBody>
       </p:sp>
@@ -599,6 +602,90 @@
             <a:fld id="{C34BEB8D-A289-3F4D-9BDC-964FD6871EB5}" type="slidenum">
               <a:rPr lang="it-IT" smtClean="0"/>
               <a:t>1</a:t>
+            </a:fld>
+            <a:endParaRPr lang="it-IT"/>
+          </a:p>
+        </p:txBody>
+      </p:sp>
+    </p:spTree>
+    <p:extLst>
+      <p:ext uri="{BB962C8B-B14F-4D97-AF65-F5344CB8AC3E}">
+        <p14:creationId xmlns:p14="http://schemas.microsoft.com/office/powerpoint/2010/main" val="1483886084"/>
+      </p:ext>
+    </p:extLst>
+  </p:cSld>
+  <p:clrMapOvr>
+    <a:masterClrMapping/>
+  </p:clrMapOvr>
+</p:notes>
+</file>
+
+<file path=ppt/notesSlides/notesSlide2.xml><?xml version="1.0" encoding="utf-8"?>
+<p:notes xmlns:a="http://schemas.openxmlformats.org/drawingml/2006/main" xmlns:r="http://schemas.openxmlformats.org/officeDocument/2006/relationships" xmlns:p="http://schemas.openxmlformats.org/presentationml/2006/main">
+  <p:cSld>
+    <p:spTree>
+      <p:nvGrpSpPr>
+        <p:cNvPr id="1" name=""/>
+        <p:cNvGrpSpPr/>
+        <p:nvPr/>
+      </p:nvGrpSpPr>
+      <p:grpSpPr>
+        <a:xfrm>
+          <a:off x="0" y="0"/>
+          <a:ext cx="0" cy="0"/>
+          <a:chOff x="0" y="0"/>
+          <a:chExt cx="0" cy="0"/>
+        </a:xfrm>
+      </p:grpSpPr>
+      <p:sp>
+        <p:nvSpPr>
+          <p:cNvPr id="2" name="Segnaposto immagine diapositiva 1"/>
+          <p:cNvSpPr>
+            <a:spLocks noGrp="1" noRot="1" noChangeAspect="1"/>
+          </p:cNvSpPr>
+          <p:nvPr>
+            <p:ph type="sldImg"/>
+          </p:nvPr>
+        </p:nvSpPr>
+        <p:spPr/>
+      </p:sp>
+      <p:sp>
+        <p:nvSpPr>
+          <p:cNvPr id="3" name="Segnaposto note 2"/>
+          <p:cNvSpPr>
+            <a:spLocks noGrp="1"/>
+          </p:cNvSpPr>
+          <p:nvPr>
+            <p:ph type="body" idx="1"/>
+          </p:nvPr>
+        </p:nvSpPr>
+        <p:spPr/>
+        <p:txBody>
+          <a:bodyPr/>
+          <a:lstStyle/>
+          <a:p>
+            <a:endParaRPr lang="it-IT"/>
+          </a:p>
+        </p:txBody>
+      </p:sp>
+      <p:sp>
+        <p:nvSpPr>
+          <p:cNvPr id="4" name="Segnaposto numero diapositiva 3"/>
+          <p:cNvSpPr>
+            <a:spLocks noGrp="1"/>
+          </p:cNvSpPr>
+          <p:nvPr>
+            <p:ph type="sldNum" sz="quarter" idx="5"/>
+          </p:nvPr>
+        </p:nvSpPr>
+        <p:spPr/>
+        <p:txBody>
+          <a:bodyPr/>
+          <a:lstStyle/>
+          <a:p>
+            <a:fld id="{C34BEB8D-A289-3F4D-9BDC-964FD6871EB5}" type="slidenum">
+              <a:rPr lang="it-IT" smtClean="0"/>
+              <a:t>2</a:t>
             </a:fld>
             <a:endParaRPr lang="it-IT"/>
           </a:p>
@@ -764,7 +851,7 @@
           <a:p>
             <a:fld id="{68333F53-7B7C-4946-9435-3820CC995503}" type="datetimeFigureOut">
               <a:rPr lang="it-IT" smtClean="0"/>
-              <a:t>14/02/23</a:t>
+              <a:t>17/02/23</a:t>
             </a:fld>
             <a:endParaRPr lang="it-IT"/>
           </a:p>
@@ -962,7 +1049,7 @@
           <a:p>
             <a:fld id="{68333F53-7B7C-4946-9435-3820CC995503}" type="datetimeFigureOut">
               <a:rPr lang="it-IT" smtClean="0"/>
-              <a:t>14/02/23</a:t>
+              <a:t>17/02/23</a:t>
             </a:fld>
             <a:endParaRPr lang="it-IT"/>
           </a:p>
@@ -1170,7 +1257,7 @@
           <a:p>
             <a:fld id="{68333F53-7B7C-4946-9435-3820CC995503}" type="datetimeFigureOut">
               <a:rPr lang="it-IT" smtClean="0"/>
-              <a:t>14/02/23</a:t>
+              <a:t>17/02/23</a:t>
             </a:fld>
             <a:endParaRPr lang="it-IT"/>
           </a:p>
@@ -1368,7 +1455,7 @@
           <a:p>
             <a:fld id="{68333F53-7B7C-4946-9435-3820CC995503}" type="datetimeFigureOut">
               <a:rPr lang="it-IT" smtClean="0"/>
-              <a:t>14/02/23</a:t>
+              <a:t>17/02/23</a:t>
             </a:fld>
             <a:endParaRPr lang="it-IT"/>
           </a:p>
@@ -1643,7 +1730,7 @@
           <a:p>
             <a:fld id="{68333F53-7B7C-4946-9435-3820CC995503}" type="datetimeFigureOut">
               <a:rPr lang="it-IT" smtClean="0"/>
-              <a:t>14/02/23</a:t>
+              <a:t>17/02/23</a:t>
             </a:fld>
             <a:endParaRPr lang="it-IT"/>
           </a:p>
@@ -1908,7 +1995,7 @@
           <a:p>
             <a:fld id="{68333F53-7B7C-4946-9435-3820CC995503}" type="datetimeFigureOut">
               <a:rPr lang="it-IT" smtClean="0"/>
-              <a:t>14/02/23</a:t>
+              <a:t>17/02/23</a:t>
             </a:fld>
             <a:endParaRPr lang="it-IT"/>
           </a:p>
@@ -2320,7 +2407,7 @@
           <a:p>
             <a:fld id="{68333F53-7B7C-4946-9435-3820CC995503}" type="datetimeFigureOut">
               <a:rPr lang="it-IT" smtClean="0"/>
-              <a:t>14/02/23</a:t>
+              <a:t>17/02/23</a:t>
             </a:fld>
             <a:endParaRPr lang="it-IT"/>
           </a:p>
@@ -2461,7 +2548,7 @@
           <a:p>
             <a:fld id="{68333F53-7B7C-4946-9435-3820CC995503}" type="datetimeFigureOut">
               <a:rPr lang="it-IT" smtClean="0"/>
-              <a:t>14/02/23</a:t>
+              <a:t>17/02/23</a:t>
             </a:fld>
             <a:endParaRPr lang="it-IT"/>
           </a:p>
@@ -2574,7 +2661,7 @@
           <a:p>
             <a:fld id="{68333F53-7B7C-4946-9435-3820CC995503}" type="datetimeFigureOut">
               <a:rPr lang="it-IT" smtClean="0"/>
-              <a:t>14/02/23</a:t>
+              <a:t>17/02/23</a:t>
             </a:fld>
             <a:endParaRPr lang="it-IT"/>
           </a:p>
@@ -2885,7 +2972,7 @@
           <a:p>
             <a:fld id="{68333F53-7B7C-4946-9435-3820CC995503}" type="datetimeFigureOut">
               <a:rPr lang="it-IT" smtClean="0"/>
-              <a:t>14/02/23</a:t>
+              <a:t>17/02/23</a:t>
             </a:fld>
             <a:endParaRPr lang="it-IT"/>
           </a:p>
@@ -3173,7 +3260,7 @@
           <a:p>
             <a:fld id="{68333F53-7B7C-4946-9435-3820CC995503}" type="datetimeFigureOut">
               <a:rPr lang="it-IT" smtClean="0"/>
-              <a:t>14/02/23</a:t>
+              <a:t>17/02/23</a:t>
             </a:fld>
             <a:endParaRPr lang="it-IT"/>
           </a:p>
@@ -3417,7 +3504,7 @@
           <a:p>
             <a:fld id="{68333F53-7B7C-4946-9435-3820CC995503}" type="datetimeFigureOut">
               <a:rPr lang="it-IT" smtClean="0"/>
-              <a:t>14/02/23</a:t>
+              <a:t>17/02/23</a:t>
             </a:fld>
             <a:endParaRPr lang="it-IT"/>
           </a:p>
@@ -3836,61 +3923,70 @@
       </p:grpSpPr>
       <p:sp>
         <p:nvSpPr>
-          <p:cNvPr id="5" name="CasellaDiTesto 4">
-            <a:extLst>
-              <a:ext uri="{FF2B5EF4-FFF2-40B4-BE49-F238E27FC236}">
-                <a16:creationId xmlns:a16="http://schemas.microsoft.com/office/drawing/2014/main" id="{BD8962F1-B732-9259-B4E8-C6D18B78160E}"/>
-              </a:ext>
-            </a:extLst>
-          </p:cNvPr>
-          <p:cNvSpPr txBox="1">
-            <a:spLocks/>
-          </p:cNvSpPr>
-          <p:nvPr/>
-        </p:nvSpPr>
-        <p:spPr>
-          <a:xfrm>
-            <a:off x="5677929" y="2613392"/>
-            <a:ext cx="836141" cy="1631216"/>
-          </a:xfrm>
-          <a:prstGeom prst="rect">
-            <a:avLst/>
-          </a:prstGeom>
-          <a:noFill/>
-        </p:spPr>
-        <p:txBody>
-          <a:bodyPr wrap="square" rtlCol="0">
-            <a:spAutoFit/>
-          </a:bodyPr>
-          <a:lstStyle/>
-          <a:p>
-            <a:r>
-              <a:rPr lang="it-IT" sz="10000" b="1" dirty="0">
-                <a:solidFill>
-                  <a:schemeClr val="bg1"/>
-                </a:solidFill>
-              </a:rPr>
-              <a:t>+</a:t>
-            </a:r>
+          <p:cNvPr id="2" name="Titolo 1">
+            <a:extLst>
+              <a:ext uri="{FF2B5EF4-FFF2-40B4-BE49-F238E27FC236}">
+                <a16:creationId xmlns:a16="http://schemas.microsoft.com/office/drawing/2014/main" id="{F87BCF18-1269-31A8-5462-DE3764673A96}"/>
+              </a:ext>
+            </a:extLst>
+          </p:cNvPr>
+          <p:cNvSpPr>
+            <a:spLocks noGrp="1"/>
+          </p:cNvSpPr>
+          <p:nvPr>
+            <p:ph type="title"/>
+          </p:nvPr>
+        </p:nvSpPr>
+        <p:spPr/>
+        <p:txBody>
+          <a:bodyPr/>
+          <a:lstStyle/>
+          <a:p>
+            <a:endParaRPr lang="it-IT"/>
+          </a:p>
+        </p:txBody>
+      </p:sp>
+      <p:sp>
+        <p:nvSpPr>
+          <p:cNvPr id="3" name="Segnaposto contenuto 2">
+            <a:extLst>
+              <a:ext uri="{FF2B5EF4-FFF2-40B4-BE49-F238E27FC236}">
+                <a16:creationId xmlns:a16="http://schemas.microsoft.com/office/drawing/2014/main" id="{BA16E854-17D9-A48B-86A5-1D34B75A47BA}"/>
+              </a:ext>
+            </a:extLst>
+          </p:cNvPr>
+          <p:cNvSpPr>
+            <a:spLocks noGrp="1"/>
+          </p:cNvSpPr>
+          <p:nvPr>
+            <p:ph idx="1"/>
+          </p:nvPr>
+        </p:nvSpPr>
+        <p:spPr/>
+        <p:txBody>
+          <a:bodyPr/>
+          <a:lstStyle/>
+          <a:p>
+            <a:endParaRPr lang="it-IT"/>
           </a:p>
         </p:txBody>
       </p:sp>
     </p:spTree>
     <p:extLst>
       <p:ext uri="{BB962C8B-B14F-4D97-AF65-F5344CB8AC3E}">
-        <p14:creationId xmlns:p14="http://schemas.microsoft.com/office/powerpoint/2010/main" val="2057116570"/>
+        <p14:creationId xmlns:p14="http://schemas.microsoft.com/office/powerpoint/2010/main" val="2707177864"/>
       </p:ext>
     </p:extLst>
   </p:cSld>
   <p:clrMapOvr>
     <a:masterClrMapping/>
   </p:clrMapOvr>
-  <mc:AlternateContent xmlns:mc="http://schemas.openxmlformats.org/markup-compatibility/2006" xmlns:p14="http://schemas.microsoft.com/office/powerpoint/2010/main">
-    <mc:Choice Requires="p14">
-      <p:transition p14:dur="10" advClick="0" advTm="5000"/>
+  <mc:AlternateContent xmlns:mc="http://schemas.openxmlformats.org/markup-compatibility/2006">
+    <mc:Choice xmlns:p14="http://schemas.microsoft.com/office/powerpoint/2010/main" Requires="p14">
+      <p:transition p14:dur="10" advTm="30000"/>
     </mc:Choice>
-    <mc:Fallback xmlns="">
-      <p:transition advClick="0" advTm="5000"/>
+    <mc:Fallback>
+      <p:transition advTm="30000"/>
     </mc:Fallback>
   </mc:AlternateContent>
 </p:sld>
@@ -3929,8 +4025,8 @@
         </p:nvSpPr>
         <p:spPr>
           <a:xfrm>
-            <a:off x="3222410" y="2613392"/>
-            <a:ext cx="5747180" cy="1631216"/>
+            <a:off x="5677929" y="2613392"/>
+            <a:ext cx="836141" cy="1631216"/>
           </a:xfrm>
           <a:prstGeom prst="rect">
             <a:avLst/>
@@ -3949,7 +4045,7 @@
                   <a:schemeClr val="bg1"/>
                 </a:solidFill>
               </a:rPr>
-              <a:t>SORPRESA</a:t>
+              <a:t>+</a:t>
             </a:r>
           </a:p>
         </p:txBody>
@@ -3957,19 +4053,19 @@
     </p:spTree>
     <p:extLst>
       <p:ext uri="{BB962C8B-B14F-4D97-AF65-F5344CB8AC3E}">
-        <p14:creationId xmlns:p14="http://schemas.microsoft.com/office/powerpoint/2010/main" val="2829831225"/>
+        <p14:creationId xmlns:p14="http://schemas.microsoft.com/office/powerpoint/2010/main" val="2944098668"/>
       </p:ext>
     </p:extLst>
   </p:cSld>
   <p:clrMapOvr>
     <a:masterClrMapping/>
   </p:clrMapOvr>
-  <mc:AlternateContent xmlns:mc="http://schemas.openxmlformats.org/markup-compatibility/2006">
-    <mc:Choice xmlns:p14="http://schemas.microsoft.com/office/powerpoint/2010/main" Requires="p14">
-      <p:transition p14:dur="10" advClick="0" advTm="10000"/>
+  <mc:AlternateContent xmlns:mc="http://schemas.openxmlformats.org/markup-compatibility/2006" xmlns:p14="http://schemas.microsoft.com/office/powerpoint/2010/main">
+    <mc:Choice Requires="p14">
+      <p:transition p14:dur="10" advClick="0" advTm="5000"/>
     </mc:Choice>
-    <mc:Fallback>
-      <p:transition advClick="0" advTm="10000"/>
+    <mc:Fallback xmlns="">
+      <p:transition advClick="0" advTm="5000"/>
     </mc:Fallback>
   </mc:AlternateContent>
 </p:sld>
@@ -4008,8 +4104,8 @@
         </p:nvSpPr>
         <p:spPr>
           <a:xfrm>
-            <a:off x="5677929" y="2613392"/>
-            <a:ext cx="836141" cy="1631216"/>
+            <a:off x="3222410" y="2613392"/>
+            <a:ext cx="5747180" cy="1631216"/>
           </a:xfrm>
           <a:prstGeom prst="rect">
             <a:avLst/>
@@ -4028,7 +4124,7 @@
                   <a:schemeClr val="bg1"/>
                 </a:solidFill>
               </a:rPr>
-              <a:t>+</a:t>
+              <a:t>SORPRESA</a:t>
             </a:r>
           </a:p>
         </p:txBody>
@@ -4036,7 +4132,7 @@
     </p:spTree>
     <p:extLst>
       <p:ext uri="{BB962C8B-B14F-4D97-AF65-F5344CB8AC3E}">
-        <p14:creationId xmlns:p14="http://schemas.microsoft.com/office/powerpoint/2010/main" val="1664973281"/>
+        <p14:creationId xmlns:p14="http://schemas.microsoft.com/office/powerpoint/2010/main" val="2829831225"/>
       </p:ext>
     </p:extLst>
   </p:cSld>
@@ -4045,10 +4141,10 @@
   </p:clrMapOvr>
   <mc:AlternateContent xmlns:mc="http://schemas.openxmlformats.org/markup-compatibility/2006" xmlns:p14="http://schemas.microsoft.com/office/powerpoint/2010/main">
     <mc:Choice Requires="p14">
-      <p:transition p14:dur="10" advClick="0" advTm="5000"/>
+      <p:transition p14:dur="10" advClick="0" advTm="10000"/>
     </mc:Choice>
     <mc:Fallback xmlns="">
-      <p:transition advClick="0" advTm="5000"/>
+      <p:transition advClick="0" advTm="10000"/>
     </mc:Fallback>
   </mc:AlternateContent>
 </p:sld>
@@ -4087,8 +4183,8 @@
         </p:nvSpPr>
         <p:spPr>
           <a:xfrm>
-            <a:off x="3222410" y="2613392"/>
-            <a:ext cx="5686812" cy="1631216"/>
+            <a:off x="5677929" y="2613392"/>
+            <a:ext cx="836141" cy="1631216"/>
           </a:xfrm>
           <a:prstGeom prst="rect">
             <a:avLst/>
@@ -4107,7 +4203,7 @@
                   <a:schemeClr val="bg1"/>
                 </a:solidFill>
               </a:rPr>
-              <a:t>DISGUSTO</a:t>
+              <a:t>+</a:t>
             </a:r>
           </a:p>
         </p:txBody>
@@ -4115,19 +4211,19 @@
     </p:spTree>
     <p:extLst>
       <p:ext uri="{BB962C8B-B14F-4D97-AF65-F5344CB8AC3E}">
-        <p14:creationId xmlns:p14="http://schemas.microsoft.com/office/powerpoint/2010/main" val="2283676748"/>
+        <p14:creationId xmlns:p14="http://schemas.microsoft.com/office/powerpoint/2010/main" val="1664973281"/>
       </p:ext>
     </p:extLst>
   </p:cSld>
   <p:clrMapOvr>
     <a:masterClrMapping/>
   </p:clrMapOvr>
-  <mc:AlternateContent xmlns:mc="http://schemas.openxmlformats.org/markup-compatibility/2006">
-    <mc:Choice xmlns:p14="http://schemas.microsoft.com/office/powerpoint/2010/main" Requires="p14">
-      <p:transition p14:dur="10" advClick="0" advTm="10000"/>
+  <mc:AlternateContent xmlns:mc="http://schemas.openxmlformats.org/markup-compatibility/2006" xmlns:p14="http://schemas.microsoft.com/office/powerpoint/2010/main">
+    <mc:Choice Requires="p14">
+      <p:transition p14:dur="10" advClick="0" advTm="5000"/>
     </mc:Choice>
-    <mc:Fallback>
-      <p:transition advClick="0" advTm="10000"/>
+    <mc:Fallback xmlns="">
+      <p:transition advClick="0" advTm="5000"/>
     </mc:Fallback>
   </mc:AlternateContent>
 </p:sld>
@@ -4166,8 +4262,8 @@
         </p:nvSpPr>
         <p:spPr>
           <a:xfrm>
-            <a:off x="5677929" y="2613392"/>
-            <a:ext cx="836141" cy="1631216"/>
+            <a:off x="3222410" y="2613392"/>
+            <a:ext cx="5686812" cy="1631216"/>
           </a:xfrm>
           <a:prstGeom prst="rect">
             <a:avLst/>
@@ -4186,7 +4282,7 @@
                   <a:schemeClr val="bg1"/>
                 </a:solidFill>
               </a:rPr>
-              <a:t>+</a:t>
+              <a:t>DISGUSTO</a:t>
             </a:r>
           </a:p>
         </p:txBody>
@@ -4194,7 +4290,7 @@
     </p:spTree>
     <p:extLst>
       <p:ext uri="{BB962C8B-B14F-4D97-AF65-F5344CB8AC3E}">
-        <p14:creationId xmlns:p14="http://schemas.microsoft.com/office/powerpoint/2010/main" val="1030074804"/>
+        <p14:creationId xmlns:p14="http://schemas.microsoft.com/office/powerpoint/2010/main" val="2283676748"/>
       </p:ext>
     </p:extLst>
   </p:cSld>
@@ -4203,10 +4299,10 @@
   </p:clrMapOvr>
   <mc:AlternateContent xmlns:mc="http://schemas.openxmlformats.org/markup-compatibility/2006" xmlns:p14="http://schemas.microsoft.com/office/powerpoint/2010/main">
     <mc:Choice Requires="p14">
-      <p:transition p14:dur="10" advClick="0" advTm="5000"/>
+      <p:transition p14:dur="10" advClick="0" advTm="10000"/>
     </mc:Choice>
     <mc:Fallback xmlns="">
-      <p:transition advClick="0" advTm="5000"/>
+      <p:transition advClick="0" advTm="10000"/>
     </mc:Fallback>
   </mc:AlternateContent>
 </p:sld>
@@ -4245,8 +4341,8 @@
         </p:nvSpPr>
         <p:spPr>
           <a:xfrm>
-            <a:off x="4265848" y="2613392"/>
-            <a:ext cx="3660304" cy="1631216"/>
+            <a:off x="5677929" y="2613392"/>
+            <a:ext cx="836141" cy="1631216"/>
           </a:xfrm>
           <a:prstGeom prst="rect">
             <a:avLst/>
@@ -4265,7 +4361,7 @@
                   <a:schemeClr val="bg1"/>
                 </a:solidFill>
               </a:rPr>
-              <a:t>RELAX</a:t>
+              <a:t>+</a:t>
             </a:r>
           </a:p>
         </p:txBody>
@@ -4273,19 +4369,19 @@
     </p:spTree>
     <p:extLst>
       <p:ext uri="{BB962C8B-B14F-4D97-AF65-F5344CB8AC3E}">
-        <p14:creationId xmlns:p14="http://schemas.microsoft.com/office/powerpoint/2010/main" val="1317129944"/>
+        <p14:creationId xmlns:p14="http://schemas.microsoft.com/office/powerpoint/2010/main" val="1030074804"/>
       </p:ext>
     </p:extLst>
   </p:cSld>
   <p:clrMapOvr>
     <a:masterClrMapping/>
   </p:clrMapOvr>
-  <mc:AlternateContent xmlns:mc="http://schemas.openxmlformats.org/markup-compatibility/2006">
-    <mc:Choice xmlns:p14="http://schemas.microsoft.com/office/powerpoint/2010/main" Requires="p14">
-      <p:transition p14:dur="10" advClick="0" advTm="10000"/>
+  <mc:AlternateContent xmlns:mc="http://schemas.openxmlformats.org/markup-compatibility/2006" xmlns:p14="http://schemas.microsoft.com/office/powerpoint/2010/main">
+    <mc:Choice Requires="p14">
+      <p:transition p14:dur="10" advClick="0" advTm="5000"/>
     </mc:Choice>
-    <mc:Fallback>
-      <p:transition advClick="0" advTm="10000"/>
+    <mc:Fallback xmlns="">
+      <p:transition advClick="0" advTm="5000"/>
     </mc:Fallback>
   </mc:AlternateContent>
 </p:sld>
@@ -4324,8 +4420,8 @@
         </p:nvSpPr>
         <p:spPr>
           <a:xfrm>
-            <a:off x="5677929" y="2613392"/>
-            <a:ext cx="836141" cy="1631216"/>
+            <a:off x="4265848" y="2613392"/>
+            <a:ext cx="3660304" cy="1631216"/>
           </a:xfrm>
           <a:prstGeom prst="rect">
             <a:avLst/>
@@ -4344,7 +4440,7 @@
                   <a:schemeClr val="bg1"/>
                 </a:solidFill>
               </a:rPr>
-              <a:t>+</a:t>
+              <a:t>RELAX</a:t>
             </a:r>
           </a:p>
         </p:txBody>
@@ -4352,7 +4448,7 @@
     </p:spTree>
     <p:extLst>
       <p:ext uri="{BB962C8B-B14F-4D97-AF65-F5344CB8AC3E}">
-        <p14:creationId xmlns:p14="http://schemas.microsoft.com/office/powerpoint/2010/main" val="3253362869"/>
+        <p14:creationId xmlns:p14="http://schemas.microsoft.com/office/powerpoint/2010/main" val="1317129944"/>
       </p:ext>
     </p:extLst>
   </p:cSld>
@@ -4361,10 +4457,10 @@
   </p:clrMapOvr>
   <mc:AlternateContent xmlns:mc="http://schemas.openxmlformats.org/markup-compatibility/2006" xmlns:p14="http://schemas.microsoft.com/office/powerpoint/2010/main">
     <mc:Choice Requires="p14">
-      <p:transition p14:dur="10" advClick="0" advTm="5000"/>
+      <p:transition p14:dur="10" advClick="0" advTm="10000"/>
     </mc:Choice>
     <mc:Fallback xmlns="">
-      <p:transition advClick="0" advTm="5000"/>
+      <p:transition advClick="0" advTm="10000"/>
     </mc:Fallback>
   </mc:AlternateContent>
 </p:sld>
@@ -4403,8 +4499,8 @@
         </p:nvSpPr>
         <p:spPr>
           <a:xfrm>
-            <a:off x="4116344" y="2613392"/>
-            <a:ext cx="3959311" cy="1631216"/>
+            <a:off x="5677929" y="2613392"/>
+            <a:ext cx="836141" cy="1631216"/>
           </a:xfrm>
           <a:prstGeom prst="rect">
             <a:avLst/>
@@ -4423,7 +4519,7 @@
                   <a:schemeClr val="bg1"/>
                 </a:solidFill>
               </a:rPr>
-              <a:t>PAURA</a:t>
+              <a:t>+</a:t>
             </a:r>
           </a:p>
         </p:txBody>
@@ -4431,19 +4527,19 @@
     </p:spTree>
     <p:extLst>
       <p:ext uri="{BB962C8B-B14F-4D97-AF65-F5344CB8AC3E}">
-        <p14:creationId xmlns:p14="http://schemas.microsoft.com/office/powerpoint/2010/main" val="760982872"/>
+        <p14:creationId xmlns:p14="http://schemas.microsoft.com/office/powerpoint/2010/main" val="3253362869"/>
       </p:ext>
     </p:extLst>
   </p:cSld>
   <p:clrMapOvr>
     <a:masterClrMapping/>
   </p:clrMapOvr>
-  <mc:AlternateContent xmlns:mc="http://schemas.openxmlformats.org/markup-compatibility/2006">
-    <mc:Choice xmlns:p14="http://schemas.microsoft.com/office/powerpoint/2010/main" Requires="p14">
-      <p:transition p14:dur="10" advClick="0" advTm="10000"/>
+  <mc:AlternateContent xmlns:mc="http://schemas.openxmlformats.org/markup-compatibility/2006" xmlns:p14="http://schemas.microsoft.com/office/powerpoint/2010/main">
+    <mc:Choice Requires="p14">
+      <p:transition p14:dur="10" advClick="0" advTm="5000"/>
     </mc:Choice>
-    <mc:Fallback>
-      <p:transition advClick="0" advTm="10000"/>
+    <mc:Fallback xmlns="">
+      <p:transition advClick="0" advTm="5000"/>
     </mc:Fallback>
   </mc:AlternateContent>
 </p:sld>
@@ -4482,8 +4578,8 @@
         </p:nvSpPr>
         <p:spPr>
           <a:xfrm>
-            <a:off x="5677929" y="2613392"/>
-            <a:ext cx="836141" cy="1631216"/>
+            <a:off x="4116344" y="2613392"/>
+            <a:ext cx="3959311" cy="1631216"/>
           </a:xfrm>
           <a:prstGeom prst="rect">
             <a:avLst/>
@@ -4502,7 +4598,7 @@
                   <a:schemeClr val="bg1"/>
                 </a:solidFill>
               </a:rPr>
-              <a:t>+</a:t>
+              <a:t>PAURA</a:t>
             </a:r>
           </a:p>
         </p:txBody>
@@ -4510,7 +4606,7 @@
     </p:spTree>
     <p:extLst>
       <p:ext uri="{BB962C8B-B14F-4D97-AF65-F5344CB8AC3E}">
-        <p14:creationId xmlns:p14="http://schemas.microsoft.com/office/powerpoint/2010/main" val="747569646"/>
+        <p14:creationId xmlns:p14="http://schemas.microsoft.com/office/powerpoint/2010/main" val="760982872"/>
       </p:ext>
     </p:extLst>
   </p:cSld>
@@ -4519,10 +4615,10 @@
   </p:clrMapOvr>
   <mc:AlternateContent xmlns:mc="http://schemas.openxmlformats.org/markup-compatibility/2006" xmlns:p14="http://schemas.microsoft.com/office/powerpoint/2010/main">
     <mc:Choice Requires="p14">
-      <p:transition p14:dur="10" advClick="0" advTm="5000"/>
+      <p:transition p14:dur="10" advClick="0" advTm="10000"/>
     </mc:Choice>
     <mc:Fallback xmlns="">
-      <p:transition advClick="0" advTm="5000"/>
+      <p:transition advClick="0" advTm="10000"/>
     </mc:Fallback>
   </mc:AlternateContent>
 </p:sld>
@@ -4561,8 +4657,8 @@
         </p:nvSpPr>
         <p:spPr>
           <a:xfrm>
-            <a:off x="3222410" y="2613392"/>
-            <a:ext cx="5747180" cy="1631216"/>
+            <a:off x="5677929" y="2613392"/>
+            <a:ext cx="836141" cy="1631216"/>
           </a:xfrm>
           <a:prstGeom prst="rect">
             <a:avLst/>
@@ -4581,7 +4677,7 @@
                   <a:schemeClr val="bg1"/>
                 </a:solidFill>
               </a:rPr>
-              <a:t>TRISTEZZA</a:t>
+              <a:t>+</a:t>
             </a:r>
           </a:p>
         </p:txBody>
@@ -4589,19 +4685,19 @@
     </p:spTree>
     <p:extLst>
       <p:ext uri="{BB962C8B-B14F-4D97-AF65-F5344CB8AC3E}">
-        <p14:creationId xmlns:p14="http://schemas.microsoft.com/office/powerpoint/2010/main" val="2399310512"/>
+        <p14:creationId xmlns:p14="http://schemas.microsoft.com/office/powerpoint/2010/main" val="747569646"/>
       </p:ext>
     </p:extLst>
   </p:cSld>
   <p:clrMapOvr>
     <a:masterClrMapping/>
   </p:clrMapOvr>
-  <mc:AlternateContent xmlns:mc="http://schemas.openxmlformats.org/markup-compatibility/2006">
-    <mc:Choice xmlns:p14="http://schemas.microsoft.com/office/powerpoint/2010/main" Requires="p14">
-      <p:transition p14:dur="10" advClick="0" advTm="10000"/>
+  <mc:AlternateContent xmlns:mc="http://schemas.openxmlformats.org/markup-compatibility/2006" xmlns:p14="http://schemas.microsoft.com/office/powerpoint/2010/main">
+    <mc:Choice Requires="p14">
+      <p:transition p14:dur="10" advClick="0" advTm="5000"/>
     </mc:Choice>
-    <mc:Fallback>
-      <p:transition advClick="0" advTm="10000"/>
+    <mc:Fallback xmlns="">
+      <p:transition advClick="0" advTm="5000"/>
     </mc:Fallback>
   </mc:AlternateContent>
 </p:sld>
@@ -4640,8 +4736,8 @@
         </p:nvSpPr>
         <p:spPr>
           <a:xfrm>
-            <a:off x="5677929" y="2613392"/>
-            <a:ext cx="836141" cy="1631216"/>
+            <a:off x="3222410" y="2613392"/>
+            <a:ext cx="5747180" cy="1631216"/>
           </a:xfrm>
           <a:prstGeom prst="rect">
             <a:avLst/>
@@ -4660,7 +4756,7 @@
                   <a:schemeClr val="bg1"/>
                 </a:solidFill>
               </a:rPr>
-              <a:t>+</a:t>
+              <a:t>TRISTEZZA</a:t>
             </a:r>
           </a:p>
         </p:txBody>
@@ -4668,7 +4764,7 @@
     </p:spTree>
     <p:extLst>
       <p:ext uri="{BB962C8B-B14F-4D97-AF65-F5344CB8AC3E}">
-        <p14:creationId xmlns:p14="http://schemas.microsoft.com/office/powerpoint/2010/main" val="1486189926"/>
+        <p14:creationId xmlns:p14="http://schemas.microsoft.com/office/powerpoint/2010/main" val="2399310512"/>
       </p:ext>
     </p:extLst>
   </p:cSld>
@@ -4677,10 +4773,10 @@
   </p:clrMapOvr>
   <mc:AlternateContent xmlns:mc="http://schemas.openxmlformats.org/markup-compatibility/2006" xmlns:p14="http://schemas.microsoft.com/office/powerpoint/2010/main">
     <mc:Choice Requires="p14">
-      <p:transition p14:dur="10" advClick="0" advTm="5000"/>
+      <p:transition p14:dur="10" advClick="0" advTm="10000"/>
     </mc:Choice>
     <mc:Fallback xmlns="">
-      <p:transition advClick="0" advTm="5000"/>
+      <p:transition advClick="0" advTm="10000"/>
     </mc:Fallback>
   </mc:AlternateContent>
 </p:sld>
@@ -4719,8 +4815,8 @@
         </p:nvSpPr>
         <p:spPr>
           <a:xfrm>
-            <a:off x="3936657" y="2613392"/>
-            <a:ext cx="4318686" cy="1631216"/>
+            <a:off x="5677929" y="2613392"/>
+            <a:ext cx="836141" cy="1631216"/>
           </a:xfrm>
           <a:prstGeom prst="rect">
             <a:avLst/>
@@ -4739,7 +4835,7 @@
                   <a:schemeClr val="bg1"/>
                 </a:solidFill>
               </a:rPr>
-              <a:t>RABBIA</a:t>
+              <a:t>+</a:t>
             </a:r>
           </a:p>
         </p:txBody>
@@ -4747,19 +4843,19 @@
     </p:spTree>
     <p:extLst>
       <p:ext uri="{BB962C8B-B14F-4D97-AF65-F5344CB8AC3E}">
-        <p14:creationId xmlns:p14="http://schemas.microsoft.com/office/powerpoint/2010/main" val="4035739598"/>
+        <p14:creationId xmlns:p14="http://schemas.microsoft.com/office/powerpoint/2010/main" val="2057116570"/>
       </p:ext>
     </p:extLst>
   </p:cSld>
   <p:clrMapOvr>
     <a:masterClrMapping/>
   </p:clrMapOvr>
-  <mc:AlternateContent xmlns:mc="http://schemas.openxmlformats.org/markup-compatibility/2006">
-    <mc:Choice xmlns:p14="http://schemas.microsoft.com/office/powerpoint/2010/main" Requires="p14">
-      <p:transition p14:dur="10" advClick="0" advTm="10000"/>
+  <mc:AlternateContent xmlns:mc="http://schemas.openxmlformats.org/markup-compatibility/2006" xmlns:p14="http://schemas.microsoft.com/office/powerpoint/2010/main">
+    <mc:Choice Requires="p14">
+      <p:transition p14:dur="10" advClick="0" advTm="5000"/>
     </mc:Choice>
-    <mc:Fallback>
-      <p:transition advClick="0" advTm="10000"/>
+    <mc:Fallback xmlns="">
+      <p:transition advClick="0" advTm="5000"/>
     </mc:Fallback>
   </mc:AlternateContent>
 </p:sld>
@@ -4798,8 +4894,8 @@
         </p:nvSpPr>
         <p:spPr>
           <a:xfrm>
-            <a:off x="3936657" y="2613392"/>
-            <a:ext cx="4318686" cy="1631216"/>
+            <a:off x="5677929" y="2613392"/>
+            <a:ext cx="836141" cy="1631216"/>
           </a:xfrm>
           <a:prstGeom prst="rect">
             <a:avLst/>
@@ -4818,7 +4914,7 @@
                   <a:schemeClr val="bg1"/>
                 </a:solidFill>
               </a:rPr>
-              <a:t>RABBIA</a:t>
+              <a:t>+</a:t>
             </a:r>
           </a:p>
         </p:txBody>
@@ -4826,19 +4922,19 @@
     </p:spTree>
     <p:extLst>
       <p:ext uri="{BB962C8B-B14F-4D97-AF65-F5344CB8AC3E}">
-        <p14:creationId xmlns:p14="http://schemas.microsoft.com/office/powerpoint/2010/main" val="207285393"/>
+        <p14:creationId xmlns:p14="http://schemas.microsoft.com/office/powerpoint/2010/main" val="1486189926"/>
       </p:ext>
     </p:extLst>
   </p:cSld>
   <p:clrMapOvr>
     <a:masterClrMapping/>
   </p:clrMapOvr>
-  <mc:AlternateContent xmlns:mc="http://schemas.openxmlformats.org/markup-compatibility/2006">
-    <mc:Choice xmlns:p14="http://schemas.microsoft.com/office/powerpoint/2010/main" Requires="p14">
-      <p:transition p14:dur="10" advClick="0" advTm="10000"/>
+  <mc:AlternateContent xmlns:mc="http://schemas.openxmlformats.org/markup-compatibility/2006" xmlns:p14="http://schemas.microsoft.com/office/powerpoint/2010/main">
+    <mc:Choice Requires="p14">
+      <p:transition p14:dur="10" advClick="0" advTm="5000"/>
     </mc:Choice>
-    <mc:Fallback>
-      <p:transition advClick="0" advTm="10000"/>
+    <mc:Fallback xmlns="">
+      <p:transition advClick="0" advTm="5000"/>
     </mc:Fallback>
   </mc:AlternateContent>
 </p:sld>
@@ -4877,8 +4973,8 @@
         </p:nvSpPr>
         <p:spPr>
           <a:xfrm>
-            <a:off x="5677929" y="2613392"/>
-            <a:ext cx="836141" cy="1631216"/>
+            <a:off x="3936657" y="2613392"/>
+            <a:ext cx="4318686" cy="1631216"/>
           </a:xfrm>
           <a:prstGeom prst="rect">
             <a:avLst/>
@@ -4897,7 +4993,7 @@
                   <a:schemeClr val="bg1"/>
                 </a:solidFill>
               </a:rPr>
-              <a:t>+</a:t>
+              <a:t>RABBIA</a:t>
             </a:r>
           </a:p>
         </p:txBody>
@@ -4905,7 +5001,7 @@
     </p:spTree>
     <p:extLst>
       <p:ext uri="{BB962C8B-B14F-4D97-AF65-F5344CB8AC3E}">
-        <p14:creationId xmlns:p14="http://schemas.microsoft.com/office/powerpoint/2010/main" val="2232383654"/>
+        <p14:creationId xmlns:p14="http://schemas.microsoft.com/office/powerpoint/2010/main" val="207285393"/>
       </p:ext>
     </p:extLst>
   </p:cSld>
@@ -4914,10 +5010,10 @@
   </p:clrMapOvr>
   <mc:AlternateContent xmlns:mc="http://schemas.openxmlformats.org/markup-compatibility/2006" xmlns:p14="http://schemas.microsoft.com/office/powerpoint/2010/main">
     <mc:Choice Requires="p14">
-      <p:transition p14:dur="10" advClick="0" advTm="5000"/>
+      <p:transition p14:dur="10" advClick="0" advTm="10000"/>
     </mc:Choice>
     <mc:Fallback xmlns="">
-      <p:transition advClick="0" advTm="5000"/>
+      <p:transition advClick="0" advTm="10000"/>
     </mc:Fallback>
   </mc:AlternateContent>
 </p:sld>
@@ -4956,8 +5052,8 @@
         </p:nvSpPr>
         <p:spPr>
           <a:xfrm>
-            <a:off x="3222410" y="2613392"/>
-            <a:ext cx="5747180" cy="1631216"/>
+            <a:off x="5677929" y="2613392"/>
+            <a:ext cx="836141" cy="1631216"/>
           </a:xfrm>
           <a:prstGeom prst="rect">
             <a:avLst/>
@@ -4976,7 +5072,7 @@
                   <a:schemeClr val="bg1"/>
                 </a:solidFill>
               </a:rPr>
-              <a:t>SORPRESA</a:t>
+              <a:t>+</a:t>
             </a:r>
           </a:p>
         </p:txBody>
@@ -4984,19 +5080,19 @@
     </p:spTree>
     <p:extLst>
       <p:ext uri="{BB962C8B-B14F-4D97-AF65-F5344CB8AC3E}">
-        <p14:creationId xmlns:p14="http://schemas.microsoft.com/office/powerpoint/2010/main" val="1192447526"/>
+        <p14:creationId xmlns:p14="http://schemas.microsoft.com/office/powerpoint/2010/main" val="2232383654"/>
       </p:ext>
     </p:extLst>
   </p:cSld>
   <p:clrMapOvr>
     <a:masterClrMapping/>
   </p:clrMapOvr>
-  <mc:AlternateContent xmlns:mc="http://schemas.openxmlformats.org/markup-compatibility/2006">
-    <mc:Choice xmlns:p14="http://schemas.microsoft.com/office/powerpoint/2010/main" Requires="p14">
-      <p:transition p14:dur="10" advClick="0" advTm="10000"/>
+  <mc:AlternateContent xmlns:mc="http://schemas.openxmlformats.org/markup-compatibility/2006" xmlns:p14="http://schemas.microsoft.com/office/powerpoint/2010/main">
+    <mc:Choice Requires="p14">
+      <p:transition p14:dur="10" advClick="0" advTm="5000"/>
     </mc:Choice>
-    <mc:Fallback>
-      <p:transition advClick="0" advTm="10000"/>
+    <mc:Fallback xmlns="">
+      <p:transition advClick="0" advTm="5000"/>
     </mc:Fallback>
   </mc:AlternateContent>
 </p:sld>
@@ -5035,8 +5131,8 @@
         </p:nvSpPr>
         <p:spPr>
           <a:xfrm>
-            <a:off x="5677929" y="2613392"/>
-            <a:ext cx="836141" cy="1631216"/>
+            <a:off x="3222410" y="2613392"/>
+            <a:ext cx="5747180" cy="1631216"/>
           </a:xfrm>
           <a:prstGeom prst="rect">
             <a:avLst/>
@@ -5055,7 +5151,7 @@
                   <a:schemeClr val="bg1"/>
                 </a:solidFill>
               </a:rPr>
-              <a:t>+</a:t>
+              <a:t>SORPRESA</a:t>
             </a:r>
           </a:p>
         </p:txBody>
@@ -5063,7 +5159,7 @@
     </p:spTree>
     <p:extLst>
       <p:ext uri="{BB962C8B-B14F-4D97-AF65-F5344CB8AC3E}">
-        <p14:creationId xmlns:p14="http://schemas.microsoft.com/office/powerpoint/2010/main" val="1494668961"/>
+        <p14:creationId xmlns:p14="http://schemas.microsoft.com/office/powerpoint/2010/main" val="1192447526"/>
       </p:ext>
     </p:extLst>
   </p:cSld>
@@ -5072,10 +5168,10 @@
   </p:clrMapOvr>
   <mc:AlternateContent xmlns:mc="http://schemas.openxmlformats.org/markup-compatibility/2006" xmlns:p14="http://schemas.microsoft.com/office/powerpoint/2010/main">
     <mc:Choice Requires="p14">
-      <p:transition p14:dur="10" advClick="0" advTm="5000"/>
+      <p:transition p14:dur="10" advClick="0" advTm="10000"/>
     </mc:Choice>
     <mc:Fallback xmlns="">
-      <p:transition advClick="0" advTm="5000"/>
+      <p:transition advClick="0" advTm="10000"/>
     </mc:Fallback>
   </mc:AlternateContent>
 </p:sld>
@@ -5114,8 +5210,8 @@
         </p:nvSpPr>
         <p:spPr>
           <a:xfrm>
-            <a:off x="4434788" y="2613392"/>
-            <a:ext cx="3322424" cy="1631216"/>
+            <a:off x="5677929" y="2613392"/>
+            <a:ext cx="836141" cy="1631216"/>
           </a:xfrm>
           <a:prstGeom prst="rect">
             <a:avLst/>
@@ -5134,7 +5230,7 @@
                   <a:schemeClr val="bg1"/>
                 </a:solidFill>
               </a:rPr>
-              <a:t>GIOIA</a:t>
+              <a:t>+</a:t>
             </a:r>
           </a:p>
         </p:txBody>
@@ -5142,19 +5238,19 @@
     </p:spTree>
     <p:extLst>
       <p:ext uri="{BB962C8B-B14F-4D97-AF65-F5344CB8AC3E}">
-        <p14:creationId xmlns:p14="http://schemas.microsoft.com/office/powerpoint/2010/main" val="4020933766"/>
+        <p14:creationId xmlns:p14="http://schemas.microsoft.com/office/powerpoint/2010/main" val="1494668961"/>
       </p:ext>
     </p:extLst>
   </p:cSld>
   <p:clrMapOvr>
     <a:masterClrMapping/>
   </p:clrMapOvr>
-  <mc:AlternateContent xmlns:mc="http://schemas.openxmlformats.org/markup-compatibility/2006">
-    <mc:Choice xmlns:p14="http://schemas.microsoft.com/office/powerpoint/2010/main" Requires="p14">
-      <p:transition p14:dur="10" advClick="0" advTm="10000"/>
+  <mc:AlternateContent xmlns:mc="http://schemas.openxmlformats.org/markup-compatibility/2006" xmlns:p14="http://schemas.microsoft.com/office/powerpoint/2010/main">
+    <mc:Choice Requires="p14">
+      <p:transition p14:dur="10" advClick="0" advTm="5000"/>
     </mc:Choice>
-    <mc:Fallback>
-      <p:transition advClick="0" advTm="10000"/>
+    <mc:Fallback xmlns="">
+      <p:transition advClick="0" advTm="5000"/>
     </mc:Fallback>
   </mc:AlternateContent>
 </p:sld>
@@ -5193,8 +5289,8 @@
         </p:nvSpPr>
         <p:spPr>
           <a:xfrm>
-            <a:off x="5677929" y="2613392"/>
-            <a:ext cx="836141" cy="1631216"/>
+            <a:off x="4434788" y="2613392"/>
+            <a:ext cx="3322424" cy="1631216"/>
           </a:xfrm>
           <a:prstGeom prst="rect">
             <a:avLst/>
@@ -5213,7 +5309,7 @@
                   <a:schemeClr val="bg1"/>
                 </a:solidFill>
               </a:rPr>
-              <a:t>+</a:t>
+              <a:t>GIOIA</a:t>
             </a:r>
           </a:p>
         </p:txBody>
@@ -5221,7 +5317,7 @@
     </p:spTree>
     <p:extLst>
       <p:ext uri="{BB962C8B-B14F-4D97-AF65-F5344CB8AC3E}">
-        <p14:creationId xmlns:p14="http://schemas.microsoft.com/office/powerpoint/2010/main" val="4033143178"/>
+        <p14:creationId xmlns:p14="http://schemas.microsoft.com/office/powerpoint/2010/main" val="4020933766"/>
       </p:ext>
     </p:extLst>
   </p:cSld>
@@ -5230,10 +5326,10 @@
   </p:clrMapOvr>
   <mc:AlternateContent xmlns:mc="http://schemas.openxmlformats.org/markup-compatibility/2006" xmlns:p14="http://schemas.microsoft.com/office/powerpoint/2010/main">
     <mc:Choice Requires="p14">
-      <p:transition p14:dur="10" advClick="0" advTm="5000"/>
+      <p:transition p14:dur="10" advClick="0" advTm="10000"/>
     </mc:Choice>
     <mc:Fallback xmlns="">
-      <p:transition advClick="0" advTm="5000"/>
+      <p:transition advClick="0" advTm="10000"/>
     </mc:Fallback>
   </mc:AlternateContent>
 </p:sld>
@@ -5272,8 +5368,8 @@
         </p:nvSpPr>
         <p:spPr>
           <a:xfrm>
-            <a:off x="4116344" y="2613392"/>
-            <a:ext cx="3959311" cy="1631216"/>
+            <a:off x="5677929" y="2613392"/>
+            <a:ext cx="836141" cy="1631216"/>
           </a:xfrm>
           <a:prstGeom prst="rect">
             <a:avLst/>
@@ -5292,7 +5388,7 @@
                   <a:schemeClr val="bg1"/>
                 </a:solidFill>
               </a:rPr>
-              <a:t>PAURA</a:t>
+              <a:t>+</a:t>
             </a:r>
           </a:p>
         </p:txBody>
@@ -5300,19 +5396,19 @@
     </p:spTree>
     <p:extLst>
       <p:ext uri="{BB962C8B-B14F-4D97-AF65-F5344CB8AC3E}">
-        <p14:creationId xmlns:p14="http://schemas.microsoft.com/office/powerpoint/2010/main" val="3987433219"/>
+        <p14:creationId xmlns:p14="http://schemas.microsoft.com/office/powerpoint/2010/main" val="4033143178"/>
       </p:ext>
     </p:extLst>
   </p:cSld>
   <p:clrMapOvr>
     <a:masterClrMapping/>
   </p:clrMapOvr>
-  <mc:AlternateContent xmlns:mc="http://schemas.openxmlformats.org/markup-compatibility/2006">
-    <mc:Choice xmlns:p14="http://schemas.microsoft.com/office/powerpoint/2010/main" Requires="p14">
-      <p:transition p14:dur="10" advClick="0" advTm="10000"/>
+  <mc:AlternateContent xmlns:mc="http://schemas.openxmlformats.org/markup-compatibility/2006" xmlns:p14="http://schemas.microsoft.com/office/powerpoint/2010/main">
+    <mc:Choice Requires="p14">
+      <p:transition p14:dur="10" advClick="0" advTm="5000"/>
     </mc:Choice>
-    <mc:Fallback>
-      <p:transition advClick="0" advTm="10000"/>
+    <mc:Fallback xmlns="">
+      <p:transition advClick="0" advTm="5000"/>
     </mc:Fallback>
   </mc:AlternateContent>
 </p:sld>
@@ -5351,8 +5447,8 @@
         </p:nvSpPr>
         <p:spPr>
           <a:xfrm>
-            <a:off x="5677929" y="2613392"/>
-            <a:ext cx="836141" cy="1631216"/>
+            <a:off x="4116344" y="2613392"/>
+            <a:ext cx="3959311" cy="1631216"/>
           </a:xfrm>
           <a:prstGeom prst="rect">
             <a:avLst/>
@@ -5371,7 +5467,7 @@
                   <a:schemeClr val="bg1"/>
                 </a:solidFill>
               </a:rPr>
-              <a:t>+</a:t>
+              <a:t>PAURA</a:t>
             </a:r>
           </a:p>
         </p:txBody>
@@ -5379,7 +5475,7 @@
     </p:spTree>
     <p:extLst>
       <p:ext uri="{BB962C8B-B14F-4D97-AF65-F5344CB8AC3E}">
-        <p14:creationId xmlns:p14="http://schemas.microsoft.com/office/powerpoint/2010/main" val="2515226228"/>
+        <p14:creationId xmlns:p14="http://schemas.microsoft.com/office/powerpoint/2010/main" val="3987433219"/>
       </p:ext>
     </p:extLst>
   </p:cSld>
@@ -5388,10 +5484,10 @@
   </p:clrMapOvr>
   <mc:AlternateContent xmlns:mc="http://schemas.openxmlformats.org/markup-compatibility/2006" xmlns:p14="http://schemas.microsoft.com/office/powerpoint/2010/main">
     <mc:Choice Requires="p14">
-      <p:transition p14:dur="10" advClick="0" advTm="5000"/>
+      <p:transition p14:dur="10" advClick="0" advTm="10000"/>
     </mc:Choice>
     <mc:Fallback xmlns="">
-      <p:transition advClick="0" advTm="5000"/>
+      <p:transition advClick="0" advTm="10000"/>
     </mc:Fallback>
   </mc:AlternateContent>
 </p:sld>
@@ -5430,8 +5526,8 @@
         </p:nvSpPr>
         <p:spPr>
           <a:xfrm>
-            <a:off x="3936657" y="2613392"/>
-            <a:ext cx="4318686" cy="1631216"/>
+            <a:off x="5677929" y="2613392"/>
+            <a:ext cx="836141" cy="1631216"/>
           </a:xfrm>
           <a:prstGeom prst="rect">
             <a:avLst/>
@@ -5450,7 +5546,7 @@
                   <a:schemeClr val="bg1"/>
                 </a:solidFill>
               </a:rPr>
-              <a:t>RABBIA</a:t>
+              <a:t>+</a:t>
             </a:r>
           </a:p>
         </p:txBody>
@@ -5458,19 +5554,19 @@
     </p:spTree>
     <p:extLst>
       <p:ext uri="{BB962C8B-B14F-4D97-AF65-F5344CB8AC3E}">
-        <p14:creationId xmlns:p14="http://schemas.microsoft.com/office/powerpoint/2010/main" val="2576868319"/>
+        <p14:creationId xmlns:p14="http://schemas.microsoft.com/office/powerpoint/2010/main" val="2515226228"/>
       </p:ext>
     </p:extLst>
   </p:cSld>
   <p:clrMapOvr>
     <a:masterClrMapping/>
   </p:clrMapOvr>
-  <mc:AlternateContent xmlns:mc="http://schemas.openxmlformats.org/markup-compatibility/2006">
-    <mc:Choice xmlns:p14="http://schemas.microsoft.com/office/powerpoint/2010/main" Requires="p14">
-      <p:transition p14:dur="10" advClick="0" advTm="10000"/>
+  <mc:AlternateContent xmlns:mc="http://schemas.openxmlformats.org/markup-compatibility/2006" xmlns:p14="http://schemas.microsoft.com/office/powerpoint/2010/main">
+    <mc:Choice Requires="p14">
+      <p:transition p14:dur="10" advClick="0" advTm="5000"/>
     </mc:Choice>
-    <mc:Fallback>
-      <p:transition advClick="0" advTm="10000"/>
+    <mc:Fallback xmlns="">
+      <p:transition advClick="0" advTm="5000"/>
     </mc:Fallback>
   </mc:AlternateContent>
 </p:sld>
@@ -5509,8 +5605,8 @@
         </p:nvSpPr>
         <p:spPr>
           <a:xfrm>
-            <a:off x="5677929" y="2613392"/>
-            <a:ext cx="836141" cy="1631216"/>
+            <a:off x="3936657" y="2613392"/>
+            <a:ext cx="4318686" cy="1631216"/>
           </a:xfrm>
           <a:prstGeom prst="rect">
             <a:avLst/>
@@ -5529,7 +5625,7 @@
                   <a:schemeClr val="bg1"/>
                 </a:solidFill>
               </a:rPr>
-              <a:t>+</a:t>
+              <a:t>RABBIA</a:t>
             </a:r>
           </a:p>
         </p:txBody>
@@ -5537,7 +5633,7 @@
     </p:spTree>
     <p:extLst>
       <p:ext uri="{BB962C8B-B14F-4D97-AF65-F5344CB8AC3E}">
-        <p14:creationId xmlns:p14="http://schemas.microsoft.com/office/powerpoint/2010/main" val="2472598413"/>
+        <p14:creationId xmlns:p14="http://schemas.microsoft.com/office/powerpoint/2010/main" val="2576868319"/>
       </p:ext>
     </p:extLst>
   </p:cSld>
@@ -5546,10 +5642,10 @@
   </p:clrMapOvr>
   <mc:AlternateContent xmlns:mc="http://schemas.openxmlformats.org/markup-compatibility/2006" xmlns:p14="http://schemas.microsoft.com/office/powerpoint/2010/main">
     <mc:Choice Requires="p14">
-      <p:transition p14:dur="10" advClick="0" advTm="5000"/>
+      <p:transition p14:dur="10" advClick="0" advTm="10000"/>
     </mc:Choice>
     <mc:Fallback xmlns="">
-      <p:transition advClick="0" advTm="5000"/>
+      <p:transition advClick="0" advTm="10000"/>
     </mc:Fallback>
   </mc:AlternateContent>
 </p:sld>
@@ -5588,8 +5684,8 @@
         </p:nvSpPr>
         <p:spPr>
           <a:xfrm>
-            <a:off x="5677929" y="2613392"/>
-            <a:ext cx="836141" cy="1631216"/>
+            <a:off x="3936657" y="2613392"/>
+            <a:ext cx="4318686" cy="1631216"/>
           </a:xfrm>
           <a:prstGeom prst="rect">
             <a:avLst/>
@@ -5608,7 +5704,7 @@
                   <a:schemeClr val="bg1"/>
                 </a:solidFill>
               </a:rPr>
-              <a:t>+</a:t>
+              <a:t>RABBIA</a:t>
             </a:r>
           </a:p>
         </p:txBody>
@@ -5616,7 +5712,7 @@
     </p:spTree>
     <p:extLst>
       <p:ext uri="{BB962C8B-B14F-4D97-AF65-F5344CB8AC3E}">
-        <p14:creationId xmlns:p14="http://schemas.microsoft.com/office/powerpoint/2010/main" val="449683994"/>
+        <p14:creationId xmlns:p14="http://schemas.microsoft.com/office/powerpoint/2010/main" val="4035739598"/>
       </p:ext>
     </p:extLst>
   </p:cSld>
@@ -5625,10 +5721,10 @@
   </p:clrMapOvr>
   <mc:AlternateContent xmlns:mc="http://schemas.openxmlformats.org/markup-compatibility/2006" xmlns:p14="http://schemas.microsoft.com/office/powerpoint/2010/main">
     <mc:Choice Requires="p14">
-      <p:transition p14:dur="10" advClick="0" advTm="5000"/>
+      <p:transition p14:dur="10" advClick="0" advTm="10000"/>
     </mc:Choice>
     <mc:Fallback xmlns="">
-      <p:transition advClick="0" advTm="5000"/>
+      <p:transition advClick="0" advTm="10000"/>
     </mc:Fallback>
   </mc:AlternateContent>
 </p:sld>
@@ -5667,8 +5763,8 @@
         </p:nvSpPr>
         <p:spPr>
           <a:xfrm>
-            <a:off x="4265848" y="2613392"/>
-            <a:ext cx="3660304" cy="1631216"/>
+            <a:off x="5677929" y="2613392"/>
+            <a:ext cx="836141" cy="1631216"/>
           </a:xfrm>
           <a:prstGeom prst="rect">
             <a:avLst/>
@@ -5687,7 +5783,7 @@
                   <a:schemeClr val="bg1"/>
                 </a:solidFill>
               </a:rPr>
-              <a:t>RELAX</a:t>
+              <a:t>+</a:t>
             </a:r>
           </a:p>
         </p:txBody>
@@ -5695,19 +5791,19 @@
     </p:spTree>
     <p:extLst>
       <p:ext uri="{BB962C8B-B14F-4D97-AF65-F5344CB8AC3E}">
-        <p14:creationId xmlns:p14="http://schemas.microsoft.com/office/powerpoint/2010/main" val="4227782805"/>
+        <p14:creationId xmlns:p14="http://schemas.microsoft.com/office/powerpoint/2010/main" val="2472598413"/>
       </p:ext>
     </p:extLst>
   </p:cSld>
   <p:clrMapOvr>
     <a:masterClrMapping/>
   </p:clrMapOvr>
-  <mc:AlternateContent xmlns:mc="http://schemas.openxmlformats.org/markup-compatibility/2006">
-    <mc:Choice xmlns:p14="http://schemas.microsoft.com/office/powerpoint/2010/main" Requires="p14">
-      <p:transition p14:dur="10" advClick="0" advTm="10000"/>
+  <mc:AlternateContent xmlns:mc="http://schemas.openxmlformats.org/markup-compatibility/2006" xmlns:p14="http://schemas.microsoft.com/office/powerpoint/2010/main">
+    <mc:Choice Requires="p14">
+      <p:transition p14:dur="10" advClick="0" advTm="5000"/>
     </mc:Choice>
-    <mc:Fallback>
-      <p:transition advClick="0" advTm="10000"/>
+    <mc:Fallback xmlns="">
+      <p:transition advClick="0" advTm="5000"/>
     </mc:Fallback>
   </mc:AlternateContent>
 </p:sld>
@@ -5746,8 +5842,8 @@
         </p:nvSpPr>
         <p:spPr>
           <a:xfrm>
-            <a:off x="5677929" y="2613392"/>
-            <a:ext cx="836141" cy="1631216"/>
+            <a:off x="4265848" y="2613392"/>
+            <a:ext cx="3660304" cy="1631216"/>
           </a:xfrm>
           <a:prstGeom prst="rect">
             <a:avLst/>
@@ -5766,7 +5862,7 @@
                   <a:schemeClr val="bg1"/>
                 </a:solidFill>
               </a:rPr>
-              <a:t>+</a:t>
+              <a:t>RELAX</a:t>
             </a:r>
           </a:p>
         </p:txBody>
@@ -5774,7 +5870,7 @@
     </p:spTree>
     <p:extLst>
       <p:ext uri="{BB962C8B-B14F-4D97-AF65-F5344CB8AC3E}">
-        <p14:creationId xmlns:p14="http://schemas.microsoft.com/office/powerpoint/2010/main" val="690293456"/>
+        <p14:creationId xmlns:p14="http://schemas.microsoft.com/office/powerpoint/2010/main" val="4227782805"/>
       </p:ext>
     </p:extLst>
   </p:cSld>
@@ -5783,10 +5879,10 @@
   </p:clrMapOvr>
   <mc:AlternateContent xmlns:mc="http://schemas.openxmlformats.org/markup-compatibility/2006" xmlns:p14="http://schemas.microsoft.com/office/powerpoint/2010/main">
     <mc:Choice Requires="p14">
-      <p:transition p14:dur="10" advClick="0" advTm="5000"/>
+      <p:transition p14:dur="10" advClick="0" advTm="10000"/>
     </mc:Choice>
     <mc:Fallback xmlns="">
-      <p:transition advClick="0" advTm="5000"/>
+      <p:transition advClick="0" advTm="10000"/>
     </mc:Fallback>
   </mc:AlternateContent>
 </p:sld>
@@ -5825,8 +5921,8 @@
         </p:nvSpPr>
         <p:spPr>
           <a:xfrm>
-            <a:off x="3222410" y="2613392"/>
-            <a:ext cx="5686812" cy="1631216"/>
+            <a:off x="5677929" y="2613392"/>
+            <a:ext cx="836141" cy="1631216"/>
           </a:xfrm>
           <a:prstGeom prst="rect">
             <a:avLst/>
@@ -5845,7 +5941,7 @@
                   <a:schemeClr val="bg1"/>
                 </a:solidFill>
               </a:rPr>
-              <a:t>DISGUSTO</a:t>
+              <a:t>+</a:t>
             </a:r>
           </a:p>
         </p:txBody>
@@ -5853,19 +5949,19 @@
     </p:spTree>
     <p:extLst>
       <p:ext uri="{BB962C8B-B14F-4D97-AF65-F5344CB8AC3E}">
-        <p14:creationId xmlns:p14="http://schemas.microsoft.com/office/powerpoint/2010/main" val="2813686864"/>
+        <p14:creationId xmlns:p14="http://schemas.microsoft.com/office/powerpoint/2010/main" val="690293456"/>
       </p:ext>
     </p:extLst>
   </p:cSld>
   <p:clrMapOvr>
     <a:masterClrMapping/>
   </p:clrMapOvr>
-  <mc:AlternateContent xmlns:mc="http://schemas.openxmlformats.org/markup-compatibility/2006">
-    <mc:Choice xmlns:p14="http://schemas.microsoft.com/office/powerpoint/2010/main" Requires="p14">
-      <p:transition p14:dur="10" advClick="0" advTm="10000"/>
+  <mc:AlternateContent xmlns:mc="http://schemas.openxmlformats.org/markup-compatibility/2006" xmlns:p14="http://schemas.microsoft.com/office/powerpoint/2010/main">
+    <mc:Choice Requires="p14">
+      <p:transition p14:dur="10" advClick="0" advTm="5000"/>
     </mc:Choice>
-    <mc:Fallback>
-      <p:transition advClick="0" advTm="10000"/>
+    <mc:Fallback xmlns="">
+      <p:transition advClick="0" advTm="5000"/>
     </mc:Fallback>
   </mc:AlternateContent>
 </p:sld>
@@ -5904,8 +6000,8 @@
         </p:nvSpPr>
         <p:spPr>
           <a:xfrm>
-            <a:off x="5677929" y="2613392"/>
-            <a:ext cx="836141" cy="1631216"/>
+            <a:off x="3222410" y="2613392"/>
+            <a:ext cx="5686812" cy="1631216"/>
           </a:xfrm>
           <a:prstGeom prst="rect">
             <a:avLst/>
@@ -5924,7 +6020,7 @@
                   <a:schemeClr val="bg1"/>
                 </a:solidFill>
               </a:rPr>
-              <a:t>+</a:t>
+              <a:t>DISGUSTO</a:t>
             </a:r>
           </a:p>
         </p:txBody>
@@ -5932,7 +6028,7 @@
     </p:spTree>
     <p:extLst>
       <p:ext uri="{BB962C8B-B14F-4D97-AF65-F5344CB8AC3E}">
-        <p14:creationId xmlns:p14="http://schemas.microsoft.com/office/powerpoint/2010/main" val="2705294967"/>
+        <p14:creationId xmlns:p14="http://schemas.microsoft.com/office/powerpoint/2010/main" val="2813686864"/>
       </p:ext>
     </p:extLst>
   </p:cSld>
@@ -5941,10 +6037,10 @@
   </p:clrMapOvr>
   <mc:AlternateContent xmlns:mc="http://schemas.openxmlformats.org/markup-compatibility/2006" xmlns:p14="http://schemas.microsoft.com/office/powerpoint/2010/main">
     <mc:Choice Requires="p14">
-      <p:transition p14:dur="10" advClick="0" advTm="5000"/>
+      <p:transition p14:dur="10" advClick="0" advTm="10000"/>
     </mc:Choice>
     <mc:Fallback xmlns="">
-      <p:transition advClick="0" advTm="5000"/>
+      <p:transition advClick="0" advTm="10000"/>
     </mc:Fallback>
   </mc:AlternateContent>
 </p:sld>
@@ -5983,8 +6079,8 @@
         </p:nvSpPr>
         <p:spPr>
           <a:xfrm>
-            <a:off x="3222410" y="2613392"/>
-            <a:ext cx="5747180" cy="1631216"/>
+            <a:off x="5677929" y="2613392"/>
+            <a:ext cx="836141" cy="1631216"/>
           </a:xfrm>
           <a:prstGeom prst="rect">
             <a:avLst/>
@@ -6003,7 +6099,7 @@
                   <a:schemeClr val="bg1"/>
                 </a:solidFill>
               </a:rPr>
-              <a:t>SORPRESA</a:t>
+              <a:t>+</a:t>
             </a:r>
           </a:p>
         </p:txBody>
@@ -6011,19 +6107,19 @@
     </p:spTree>
     <p:extLst>
       <p:ext uri="{BB962C8B-B14F-4D97-AF65-F5344CB8AC3E}">
-        <p14:creationId xmlns:p14="http://schemas.microsoft.com/office/powerpoint/2010/main" val="631291745"/>
+        <p14:creationId xmlns:p14="http://schemas.microsoft.com/office/powerpoint/2010/main" val="2705294967"/>
       </p:ext>
     </p:extLst>
   </p:cSld>
   <p:clrMapOvr>
     <a:masterClrMapping/>
   </p:clrMapOvr>
-  <mc:AlternateContent xmlns:mc="http://schemas.openxmlformats.org/markup-compatibility/2006">
-    <mc:Choice xmlns:p14="http://schemas.microsoft.com/office/powerpoint/2010/main" Requires="p14">
-      <p:transition p14:dur="10" advClick="0" advTm="10000"/>
+  <mc:AlternateContent xmlns:mc="http://schemas.openxmlformats.org/markup-compatibility/2006" xmlns:p14="http://schemas.microsoft.com/office/powerpoint/2010/main">
+    <mc:Choice Requires="p14">
+      <p:transition p14:dur="10" advClick="0" advTm="5000"/>
     </mc:Choice>
-    <mc:Fallback>
-      <p:transition advClick="0" advTm="10000"/>
+    <mc:Fallback xmlns="">
+      <p:transition advClick="0" advTm="5000"/>
     </mc:Fallback>
   </mc:AlternateContent>
 </p:sld>
@@ -6062,8 +6158,8 @@
         </p:nvSpPr>
         <p:spPr>
           <a:xfrm>
-            <a:off x="5677929" y="2613392"/>
-            <a:ext cx="836141" cy="1631216"/>
+            <a:off x="3222410" y="2613392"/>
+            <a:ext cx="5747180" cy="1631216"/>
           </a:xfrm>
           <a:prstGeom prst="rect">
             <a:avLst/>
@@ -6082,7 +6178,7 @@
                   <a:schemeClr val="bg1"/>
                 </a:solidFill>
               </a:rPr>
-              <a:t>+</a:t>
+              <a:t>SORPRESA</a:t>
             </a:r>
           </a:p>
         </p:txBody>
@@ -6090,7 +6186,7 @@
     </p:spTree>
     <p:extLst>
       <p:ext uri="{BB962C8B-B14F-4D97-AF65-F5344CB8AC3E}">
-        <p14:creationId xmlns:p14="http://schemas.microsoft.com/office/powerpoint/2010/main" val="2947156962"/>
+        <p14:creationId xmlns:p14="http://schemas.microsoft.com/office/powerpoint/2010/main" val="631291745"/>
       </p:ext>
     </p:extLst>
   </p:cSld>
@@ -6099,10 +6195,10 @@
   </p:clrMapOvr>
   <mc:AlternateContent xmlns:mc="http://schemas.openxmlformats.org/markup-compatibility/2006" xmlns:p14="http://schemas.microsoft.com/office/powerpoint/2010/main">
     <mc:Choice Requires="p14">
-      <p:transition p14:dur="10" advClick="0" advTm="5000"/>
+      <p:transition p14:dur="10" advClick="0" advTm="10000"/>
     </mc:Choice>
     <mc:Fallback xmlns="">
-      <p:transition advClick="0" advTm="5000"/>
+      <p:transition advClick="0" advTm="10000"/>
     </mc:Fallback>
   </mc:AlternateContent>
 </p:sld>
@@ -6141,8 +6237,8 @@
         </p:nvSpPr>
         <p:spPr>
           <a:xfrm>
-            <a:off x="4434788" y="2613392"/>
-            <a:ext cx="3322424" cy="1631216"/>
+            <a:off x="5677929" y="2613392"/>
+            <a:ext cx="836141" cy="1631216"/>
           </a:xfrm>
           <a:prstGeom prst="rect">
             <a:avLst/>
@@ -6161,7 +6257,7 @@
                   <a:schemeClr val="bg1"/>
                 </a:solidFill>
               </a:rPr>
-              <a:t>GIOIA</a:t>
+              <a:t>+</a:t>
             </a:r>
           </a:p>
         </p:txBody>
@@ -6169,19 +6265,19 @@
     </p:spTree>
     <p:extLst>
       <p:ext uri="{BB962C8B-B14F-4D97-AF65-F5344CB8AC3E}">
-        <p14:creationId xmlns:p14="http://schemas.microsoft.com/office/powerpoint/2010/main" val="2993413881"/>
+        <p14:creationId xmlns:p14="http://schemas.microsoft.com/office/powerpoint/2010/main" val="2947156962"/>
       </p:ext>
     </p:extLst>
   </p:cSld>
   <p:clrMapOvr>
     <a:masterClrMapping/>
   </p:clrMapOvr>
-  <mc:AlternateContent xmlns:mc="http://schemas.openxmlformats.org/markup-compatibility/2006">
-    <mc:Choice xmlns:p14="http://schemas.microsoft.com/office/powerpoint/2010/main" Requires="p14">
-      <p:transition p14:dur="10" advClick="0" advTm="10000"/>
+  <mc:AlternateContent xmlns:mc="http://schemas.openxmlformats.org/markup-compatibility/2006" xmlns:p14="http://schemas.microsoft.com/office/powerpoint/2010/main">
+    <mc:Choice Requires="p14">
+      <p:transition p14:dur="10" advClick="0" advTm="5000"/>
     </mc:Choice>
-    <mc:Fallback>
-      <p:transition advClick="0" advTm="10000"/>
+    <mc:Fallback xmlns="">
+      <p:transition advClick="0" advTm="5000"/>
     </mc:Fallback>
   </mc:AlternateContent>
 </p:sld>
@@ -6220,8 +6316,8 @@
         </p:nvSpPr>
         <p:spPr>
           <a:xfrm>
-            <a:off x="5677929" y="2613392"/>
-            <a:ext cx="836141" cy="1631216"/>
+            <a:off x="4434788" y="2613392"/>
+            <a:ext cx="3322424" cy="1631216"/>
           </a:xfrm>
           <a:prstGeom prst="rect">
             <a:avLst/>
@@ -6240,7 +6336,7 @@
                   <a:schemeClr val="bg1"/>
                 </a:solidFill>
               </a:rPr>
-              <a:t>+</a:t>
+              <a:t>GIOIA</a:t>
             </a:r>
           </a:p>
         </p:txBody>
@@ -6248,7 +6344,7 @@
     </p:spTree>
     <p:extLst>
       <p:ext uri="{BB962C8B-B14F-4D97-AF65-F5344CB8AC3E}">
-        <p14:creationId xmlns:p14="http://schemas.microsoft.com/office/powerpoint/2010/main" val="2304725534"/>
+        <p14:creationId xmlns:p14="http://schemas.microsoft.com/office/powerpoint/2010/main" val="2993413881"/>
       </p:ext>
     </p:extLst>
   </p:cSld>
@@ -6257,10 +6353,10 @@
   </p:clrMapOvr>
   <mc:AlternateContent xmlns:mc="http://schemas.openxmlformats.org/markup-compatibility/2006" xmlns:p14="http://schemas.microsoft.com/office/powerpoint/2010/main">
     <mc:Choice Requires="p14">
-      <p:transition p14:dur="10" advClick="0" advTm="5000"/>
+      <p:transition p14:dur="10" advClick="0" advTm="10000"/>
     </mc:Choice>
     <mc:Fallback xmlns="">
-      <p:transition advClick="0" advTm="5000"/>
+      <p:transition advClick="0" advTm="10000"/>
     </mc:Fallback>
   </mc:AlternateContent>
 </p:sld>
@@ -6299,8 +6395,8 @@
         </p:nvSpPr>
         <p:spPr>
           <a:xfrm>
-            <a:off x="3222410" y="2613392"/>
-            <a:ext cx="5747180" cy="1631216"/>
+            <a:off x="5677929" y="2613392"/>
+            <a:ext cx="836141" cy="1631216"/>
           </a:xfrm>
           <a:prstGeom prst="rect">
             <a:avLst/>
@@ -6319,7 +6415,7 @@
                   <a:schemeClr val="bg1"/>
                 </a:solidFill>
               </a:rPr>
-              <a:t>TRISTEZZA</a:t>
+              <a:t>+</a:t>
             </a:r>
           </a:p>
         </p:txBody>
@@ -6327,19 +6423,19 @@
     </p:spTree>
     <p:extLst>
       <p:ext uri="{BB962C8B-B14F-4D97-AF65-F5344CB8AC3E}">
-        <p14:creationId xmlns:p14="http://schemas.microsoft.com/office/powerpoint/2010/main" val="2502303665"/>
+        <p14:creationId xmlns:p14="http://schemas.microsoft.com/office/powerpoint/2010/main" val="2304725534"/>
       </p:ext>
     </p:extLst>
   </p:cSld>
   <p:clrMapOvr>
     <a:masterClrMapping/>
   </p:clrMapOvr>
-  <mc:AlternateContent xmlns:mc="http://schemas.openxmlformats.org/markup-compatibility/2006">
-    <mc:Choice xmlns:p14="http://schemas.microsoft.com/office/powerpoint/2010/main" Requires="p14">
-      <p:transition p14:dur="10" advClick="0" advTm="10000"/>
+  <mc:AlternateContent xmlns:mc="http://schemas.openxmlformats.org/markup-compatibility/2006" xmlns:p14="http://schemas.microsoft.com/office/powerpoint/2010/main">
+    <mc:Choice Requires="p14">
+      <p:transition p14:dur="10" advClick="0" advTm="5000"/>
     </mc:Choice>
-    <mc:Fallback>
-      <p:transition advClick="0" advTm="10000"/>
+    <mc:Fallback xmlns="">
+      <p:transition advClick="0" advTm="5000"/>
     </mc:Fallback>
   </mc:AlternateContent>
 </p:sld>
@@ -6378,8 +6474,8 @@
         </p:nvSpPr>
         <p:spPr>
           <a:xfrm>
-            <a:off x="5677929" y="2613392"/>
-            <a:ext cx="836141" cy="1631216"/>
+            <a:off x="3222410" y="2613392"/>
+            <a:ext cx="5747180" cy="1631216"/>
           </a:xfrm>
           <a:prstGeom prst="rect">
             <a:avLst/>
@@ -6398,7 +6494,7 @@
                   <a:schemeClr val="bg1"/>
                 </a:solidFill>
               </a:rPr>
-              <a:t>+</a:t>
+              <a:t>TRISTEZZA</a:t>
             </a:r>
           </a:p>
         </p:txBody>
@@ -6406,7 +6502,7 @@
     </p:spTree>
     <p:extLst>
       <p:ext uri="{BB962C8B-B14F-4D97-AF65-F5344CB8AC3E}">
-        <p14:creationId xmlns:p14="http://schemas.microsoft.com/office/powerpoint/2010/main" val="2510776470"/>
+        <p14:creationId xmlns:p14="http://schemas.microsoft.com/office/powerpoint/2010/main" val="2502303665"/>
       </p:ext>
     </p:extLst>
   </p:cSld>
@@ -6415,10 +6511,10 @@
   </p:clrMapOvr>
   <mc:AlternateContent xmlns:mc="http://schemas.openxmlformats.org/markup-compatibility/2006" xmlns:p14="http://schemas.microsoft.com/office/powerpoint/2010/main">
     <mc:Choice Requires="p14">
-      <p:transition p14:dur="10" advClick="0" advTm="5000"/>
+      <p:transition p14:dur="10" advClick="0" advTm="10000"/>
     </mc:Choice>
     <mc:Fallback xmlns="">
-      <p:transition advClick="0" advTm="5000"/>
+      <p:transition advClick="0" advTm="10000"/>
     </mc:Fallback>
   </mc:AlternateContent>
 </p:sld>
@@ -6457,8 +6553,8 @@
         </p:nvSpPr>
         <p:spPr>
           <a:xfrm>
-            <a:off x="4116344" y="2613392"/>
-            <a:ext cx="3959311" cy="1631216"/>
+            <a:off x="5677929" y="2613392"/>
+            <a:ext cx="836141" cy="1631216"/>
           </a:xfrm>
           <a:prstGeom prst="rect">
             <a:avLst/>
@@ -6477,7 +6573,7 @@
                   <a:schemeClr val="bg1"/>
                 </a:solidFill>
               </a:rPr>
-              <a:t>PAURA</a:t>
+              <a:t>+</a:t>
             </a:r>
           </a:p>
         </p:txBody>
@@ -6485,19 +6581,19 @@
     </p:spTree>
     <p:extLst>
       <p:ext uri="{BB962C8B-B14F-4D97-AF65-F5344CB8AC3E}">
-        <p14:creationId xmlns:p14="http://schemas.microsoft.com/office/powerpoint/2010/main" val="2577775168"/>
+        <p14:creationId xmlns:p14="http://schemas.microsoft.com/office/powerpoint/2010/main" val="449683994"/>
       </p:ext>
     </p:extLst>
   </p:cSld>
   <p:clrMapOvr>
     <a:masterClrMapping/>
   </p:clrMapOvr>
-  <mc:AlternateContent xmlns:mc="http://schemas.openxmlformats.org/markup-compatibility/2006">
-    <mc:Choice xmlns:p14="http://schemas.microsoft.com/office/powerpoint/2010/main" Requires="p14">
-      <p:transition p14:dur="10" advClick="0" advTm="10000"/>
+  <mc:AlternateContent xmlns:mc="http://schemas.openxmlformats.org/markup-compatibility/2006" xmlns:p14="http://schemas.microsoft.com/office/powerpoint/2010/main">
+    <mc:Choice Requires="p14">
+      <p:transition p14:dur="10" advClick="0" advTm="5000"/>
     </mc:Choice>
-    <mc:Fallback>
-      <p:transition advClick="0" advTm="10000"/>
+    <mc:Fallback xmlns="">
+      <p:transition advClick="0" advTm="5000"/>
     </mc:Fallback>
   </mc:AlternateContent>
 </p:sld>
@@ -6536,8 +6632,8 @@
         </p:nvSpPr>
         <p:spPr>
           <a:xfrm>
-            <a:off x="3222410" y="2613392"/>
-            <a:ext cx="5686812" cy="1631216"/>
+            <a:off x="5677929" y="2613392"/>
+            <a:ext cx="836141" cy="1631216"/>
           </a:xfrm>
           <a:prstGeom prst="rect">
             <a:avLst/>
@@ -6556,7 +6652,7 @@
                   <a:schemeClr val="bg1"/>
                 </a:solidFill>
               </a:rPr>
-              <a:t>DISGUSTO</a:t>
+              <a:t>+</a:t>
             </a:r>
           </a:p>
         </p:txBody>
@@ -6564,19 +6660,19 @@
     </p:spTree>
     <p:extLst>
       <p:ext uri="{BB962C8B-B14F-4D97-AF65-F5344CB8AC3E}">
-        <p14:creationId xmlns:p14="http://schemas.microsoft.com/office/powerpoint/2010/main" val="1554061719"/>
+        <p14:creationId xmlns:p14="http://schemas.microsoft.com/office/powerpoint/2010/main" val="2510776470"/>
       </p:ext>
     </p:extLst>
   </p:cSld>
   <p:clrMapOvr>
     <a:masterClrMapping/>
   </p:clrMapOvr>
-  <mc:AlternateContent xmlns:mc="http://schemas.openxmlformats.org/markup-compatibility/2006">
-    <mc:Choice xmlns:p14="http://schemas.microsoft.com/office/powerpoint/2010/main" Requires="p14">
-      <p:transition p14:dur="10" advClick="0" advTm="10000"/>
+  <mc:AlternateContent xmlns:mc="http://schemas.openxmlformats.org/markup-compatibility/2006" xmlns:p14="http://schemas.microsoft.com/office/powerpoint/2010/main">
+    <mc:Choice Requires="p14">
+      <p:transition p14:dur="10" advClick="0" advTm="5000"/>
     </mc:Choice>
-    <mc:Fallback>
-      <p:transition advClick="0" advTm="10000"/>
+    <mc:Fallback xmlns="">
+      <p:transition advClick="0" advTm="5000"/>
     </mc:Fallback>
   </mc:AlternateContent>
 </p:sld>
@@ -6615,8 +6711,8 @@
         </p:nvSpPr>
         <p:spPr>
           <a:xfrm>
-            <a:off x="5677929" y="2613392"/>
-            <a:ext cx="836141" cy="1631216"/>
+            <a:off x="3222410" y="2613392"/>
+            <a:ext cx="5686812" cy="1631216"/>
           </a:xfrm>
           <a:prstGeom prst="rect">
             <a:avLst/>
@@ -6635,7 +6731,7 @@
                   <a:schemeClr val="bg1"/>
                 </a:solidFill>
               </a:rPr>
-              <a:t>+</a:t>
+              <a:t>DISGUSTO</a:t>
             </a:r>
           </a:p>
         </p:txBody>
@@ -6643,7 +6739,7 @@
     </p:spTree>
     <p:extLst>
       <p:ext uri="{BB962C8B-B14F-4D97-AF65-F5344CB8AC3E}">
-        <p14:creationId xmlns:p14="http://schemas.microsoft.com/office/powerpoint/2010/main" val="2600997346"/>
+        <p14:creationId xmlns:p14="http://schemas.microsoft.com/office/powerpoint/2010/main" val="1554061719"/>
       </p:ext>
     </p:extLst>
   </p:cSld>
@@ -6652,10 +6748,10 @@
   </p:clrMapOvr>
   <mc:AlternateContent xmlns:mc="http://schemas.openxmlformats.org/markup-compatibility/2006" xmlns:p14="http://schemas.microsoft.com/office/powerpoint/2010/main">
     <mc:Choice Requires="p14">
-      <p:transition p14:dur="10" advClick="0" advTm="5000"/>
+      <p:transition p14:dur="10" advClick="0" advTm="10000"/>
     </mc:Choice>
     <mc:Fallback xmlns="">
-      <p:transition advClick="0" advTm="5000"/>
+      <p:transition advClick="0" advTm="10000"/>
     </mc:Fallback>
   </mc:AlternateContent>
 </p:sld>
@@ -6694,8 +6790,8 @@
         </p:nvSpPr>
         <p:spPr>
           <a:xfrm>
-            <a:off x="4265848" y="2613392"/>
-            <a:ext cx="3660304" cy="1631216"/>
+            <a:off x="5677929" y="2613392"/>
+            <a:ext cx="836141" cy="1631216"/>
           </a:xfrm>
           <a:prstGeom prst="rect">
             <a:avLst/>
@@ -6714,7 +6810,7 @@
                   <a:schemeClr val="bg1"/>
                 </a:solidFill>
               </a:rPr>
-              <a:t>RELAX</a:t>
+              <a:t>+</a:t>
             </a:r>
           </a:p>
         </p:txBody>
@@ -6722,19 +6818,19 @@
     </p:spTree>
     <p:extLst>
       <p:ext uri="{BB962C8B-B14F-4D97-AF65-F5344CB8AC3E}">
-        <p14:creationId xmlns:p14="http://schemas.microsoft.com/office/powerpoint/2010/main" val="3593863953"/>
+        <p14:creationId xmlns:p14="http://schemas.microsoft.com/office/powerpoint/2010/main" val="2600997346"/>
       </p:ext>
     </p:extLst>
   </p:cSld>
   <p:clrMapOvr>
     <a:masterClrMapping/>
   </p:clrMapOvr>
-  <mc:AlternateContent xmlns:mc="http://schemas.openxmlformats.org/markup-compatibility/2006">
-    <mc:Choice xmlns:p14="http://schemas.microsoft.com/office/powerpoint/2010/main" Requires="p14">
-      <p:transition p14:dur="10" advClick="0" advTm="10000"/>
+  <mc:AlternateContent xmlns:mc="http://schemas.openxmlformats.org/markup-compatibility/2006" xmlns:p14="http://schemas.microsoft.com/office/powerpoint/2010/main">
+    <mc:Choice Requires="p14">
+      <p:transition p14:dur="10" advClick="0" advTm="5000"/>
     </mc:Choice>
-    <mc:Fallback>
-      <p:transition advClick="0" advTm="10000"/>
+    <mc:Fallback xmlns="">
+      <p:transition advClick="0" advTm="5000"/>
     </mc:Fallback>
   </mc:AlternateContent>
 </p:sld>
@@ -6773,8 +6869,8 @@
         </p:nvSpPr>
         <p:spPr>
           <a:xfrm>
-            <a:off x="5677929" y="2613392"/>
-            <a:ext cx="836141" cy="1631216"/>
+            <a:off x="4265848" y="2613392"/>
+            <a:ext cx="3660304" cy="1631216"/>
           </a:xfrm>
           <a:prstGeom prst="rect">
             <a:avLst/>
@@ -6793,7 +6889,7 @@
                   <a:schemeClr val="bg1"/>
                 </a:solidFill>
               </a:rPr>
-              <a:t>+</a:t>
+              <a:t>RELAX</a:t>
             </a:r>
           </a:p>
         </p:txBody>
@@ -6801,7 +6897,7 @@
     </p:spTree>
     <p:extLst>
       <p:ext uri="{BB962C8B-B14F-4D97-AF65-F5344CB8AC3E}">
-        <p14:creationId xmlns:p14="http://schemas.microsoft.com/office/powerpoint/2010/main" val="3878081019"/>
+        <p14:creationId xmlns:p14="http://schemas.microsoft.com/office/powerpoint/2010/main" val="3593863953"/>
       </p:ext>
     </p:extLst>
   </p:cSld>
@@ -6810,10 +6906,10 @@
   </p:clrMapOvr>
   <mc:AlternateContent xmlns:mc="http://schemas.openxmlformats.org/markup-compatibility/2006" xmlns:p14="http://schemas.microsoft.com/office/powerpoint/2010/main">
     <mc:Choice Requires="p14">
-      <p:transition p14:dur="10" advClick="0" advTm="5000"/>
+      <p:transition p14:dur="10" advClick="0" advTm="10000"/>
     </mc:Choice>
     <mc:Fallback xmlns="">
-      <p:transition advClick="0" advTm="5000"/>
+      <p:transition advClick="0" advTm="10000"/>
     </mc:Fallback>
   </mc:AlternateContent>
 </p:sld>
@@ -6852,8 +6948,8 @@
         </p:nvSpPr>
         <p:spPr>
           <a:xfrm>
-            <a:off x="4116344" y="2613392"/>
-            <a:ext cx="3959311" cy="1631216"/>
+            <a:off x="5677929" y="2613392"/>
+            <a:ext cx="836141" cy="1631216"/>
           </a:xfrm>
           <a:prstGeom prst="rect">
             <a:avLst/>
@@ -6872,7 +6968,7 @@
                   <a:schemeClr val="bg1"/>
                 </a:solidFill>
               </a:rPr>
-              <a:t>PAURA</a:t>
+              <a:t>+</a:t>
             </a:r>
           </a:p>
         </p:txBody>
@@ -6880,19 +6976,19 @@
     </p:spTree>
     <p:extLst>
       <p:ext uri="{BB962C8B-B14F-4D97-AF65-F5344CB8AC3E}">
-        <p14:creationId xmlns:p14="http://schemas.microsoft.com/office/powerpoint/2010/main" val="198908411"/>
+        <p14:creationId xmlns:p14="http://schemas.microsoft.com/office/powerpoint/2010/main" val="3878081019"/>
       </p:ext>
     </p:extLst>
   </p:cSld>
   <p:clrMapOvr>
     <a:masterClrMapping/>
   </p:clrMapOvr>
-  <mc:AlternateContent xmlns:mc="http://schemas.openxmlformats.org/markup-compatibility/2006">
-    <mc:Choice xmlns:p14="http://schemas.microsoft.com/office/powerpoint/2010/main" Requires="p14">
-      <p:transition p14:dur="10" advClick="0" advTm="10000"/>
+  <mc:AlternateContent xmlns:mc="http://schemas.openxmlformats.org/markup-compatibility/2006" xmlns:p14="http://schemas.microsoft.com/office/powerpoint/2010/main">
+    <mc:Choice Requires="p14">
+      <p:transition p14:dur="10" advClick="0" advTm="5000"/>
     </mc:Choice>
-    <mc:Fallback>
-      <p:transition advClick="0" advTm="10000"/>
+    <mc:Fallback xmlns="">
+      <p:transition advClick="0" advTm="5000"/>
     </mc:Fallback>
   </mc:AlternateContent>
 </p:sld>
@@ -6931,8 +7027,8 @@
         </p:nvSpPr>
         <p:spPr>
           <a:xfrm>
-            <a:off x="5677929" y="2613392"/>
-            <a:ext cx="836141" cy="1631216"/>
+            <a:off x="4116344" y="2613392"/>
+            <a:ext cx="3959311" cy="1631216"/>
           </a:xfrm>
           <a:prstGeom prst="rect">
             <a:avLst/>
@@ -6951,7 +7047,7 @@
                   <a:schemeClr val="bg1"/>
                 </a:solidFill>
               </a:rPr>
-              <a:t>+</a:t>
+              <a:t>PAURA</a:t>
             </a:r>
           </a:p>
         </p:txBody>
@@ -6959,7 +7055,7 @@
     </p:spTree>
     <p:extLst>
       <p:ext uri="{BB962C8B-B14F-4D97-AF65-F5344CB8AC3E}">
-        <p14:creationId xmlns:p14="http://schemas.microsoft.com/office/powerpoint/2010/main" val="3575475644"/>
+        <p14:creationId xmlns:p14="http://schemas.microsoft.com/office/powerpoint/2010/main" val="198908411"/>
       </p:ext>
     </p:extLst>
   </p:cSld>
@@ -6968,10 +7064,10 @@
   </p:clrMapOvr>
   <mc:AlternateContent xmlns:mc="http://schemas.openxmlformats.org/markup-compatibility/2006" xmlns:p14="http://schemas.microsoft.com/office/powerpoint/2010/main">
     <mc:Choice Requires="p14">
-      <p:transition p14:dur="10" advClick="0" advTm="5000"/>
+      <p:transition p14:dur="10" advClick="0" advTm="10000"/>
     </mc:Choice>
     <mc:Fallback xmlns="">
-      <p:transition advClick="0" advTm="5000"/>
+      <p:transition advClick="0" advTm="10000"/>
     </mc:Fallback>
   </mc:AlternateContent>
 </p:sld>
@@ -7010,8 +7106,8 @@
         </p:nvSpPr>
         <p:spPr>
           <a:xfrm>
-            <a:off x="3936657" y="2613392"/>
-            <a:ext cx="4318686" cy="1631216"/>
+            <a:off x="5677929" y="2613392"/>
+            <a:ext cx="836141" cy="1631216"/>
           </a:xfrm>
           <a:prstGeom prst="rect">
             <a:avLst/>
@@ -7030,7 +7126,7 @@
                   <a:schemeClr val="bg1"/>
                 </a:solidFill>
               </a:rPr>
-              <a:t>RABBIA</a:t>
+              <a:t>+</a:t>
             </a:r>
           </a:p>
         </p:txBody>
@@ -7038,19 +7134,19 @@
     </p:spTree>
     <p:extLst>
       <p:ext uri="{BB962C8B-B14F-4D97-AF65-F5344CB8AC3E}">
-        <p14:creationId xmlns:p14="http://schemas.microsoft.com/office/powerpoint/2010/main" val="1228713096"/>
+        <p14:creationId xmlns:p14="http://schemas.microsoft.com/office/powerpoint/2010/main" val="3575475644"/>
       </p:ext>
     </p:extLst>
   </p:cSld>
   <p:clrMapOvr>
     <a:masterClrMapping/>
   </p:clrMapOvr>
-  <mc:AlternateContent xmlns:mc="http://schemas.openxmlformats.org/markup-compatibility/2006">
-    <mc:Choice xmlns:p14="http://schemas.microsoft.com/office/powerpoint/2010/main" Requires="p14">
-      <p:transition p14:dur="10" advClick="0" advTm="10000"/>
+  <mc:AlternateContent xmlns:mc="http://schemas.openxmlformats.org/markup-compatibility/2006" xmlns:p14="http://schemas.microsoft.com/office/powerpoint/2010/main">
+    <mc:Choice Requires="p14">
+      <p:transition p14:dur="10" advClick="0" advTm="5000"/>
     </mc:Choice>
-    <mc:Fallback>
-      <p:transition advClick="0" advTm="10000"/>
+    <mc:Fallback xmlns="">
+      <p:transition advClick="0" advTm="5000"/>
     </mc:Fallback>
   </mc:AlternateContent>
 </p:sld>
@@ -7089,8 +7185,8 @@
         </p:nvSpPr>
         <p:spPr>
           <a:xfrm>
-            <a:off x="5677929" y="2613392"/>
-            <a:ext cx="836141" cy="1631216"/>
+            <a:off x="3936657" y="2613392"/>
+            <a:ext cx="4318686" cy="1631216"/>
           </a:xfrm>
           <a:prstGeom prst="rect">
             <a:avLst/>
@@ -7109,7 +7205,7 @@
                   <a:schemeClr val="bg1"/>
                 </a:solidFill>
               </a:rPr>
-              <a:t>+</a:t>
+              <a:t>RABBIA</a:t>
             </a:r>
           </a:p>
         </p:txBody>
@@ -7117,7 +7213,7 @@
     </p:spTree>
     <p:extLst>
       <p:ext uri="{BB962C8B-B14F-4D97-AF65-F5344CB8AC3E}">
-        <p14:creationId xmlns:p14="http://schemas.microsoft.com/office/powerpoint/2010/main" val="3608006960"/>
+        <p14:creationId xmlns:p14="http://schemas.microsoft.com/office/powerpoint/2010/main" val="1228713096"/>
       </p:ext>
     </p:extLst>
   </p:cSld>
@@ -7126,10 +7222,10 @@
   </p:clrMapOvr>
   <mc:AlternateContent xmlns:mc="http://schemas.openxmlformats.org/markup-compatibility/2006" xmlns:p14="http://schemas.microsoft.com/office/powerpoint/2010/main">
     <mc:Choice Requires="p14">
-      <p:transition p14:dur="10" advClick="0" advTm="5000"/>
+      <p:transition p14:dur="10" advClick="0" advTm="10000"/>
     </mc:Choice>
     <mc:Fallback xmlns="">
-      <p:transition advClick="0" advTm="5000"/>
+      <p:transition advClick="0" advTm="10000"/>
     </mc:Fallback>
   </mc:AlternateContent>
 </p:sld>
@@ -7168,8 +7264,8 @@
         </p:nvSpPr>
         <p:spPr>
           <a:xfrm>
-            <a:off x="3222410" y="2613392"/>
-            <a:ext cx="5686812" cy="1631216"/>
+            <a:off x="5677929" y="2613392"/>
+            <a:ext cx="836141" cy="1631216"/>
           </a:xfrm>
           <a:prstGeom prst="rect">
             <a:avLst/>
@@ -7188,7 +7284,7 @@
                   <a:schemeClr val="bg1"/>
                 </a:solidFill>
               </a:rPr>
-              <a:t>DISGUSTO</a:t>
+              <a:t>+</a:t>
             </a:r>
           </a:p>
         </p:txBody>
@@ -7196,19 +7292,19 @@
     </p:spTree>
     <p:extLst>
       <p:ext uri="{BB962C8B-B14F-4D97-AF65-F5344CB8AC3E}">
-        <p14:creationId xmlns:p14="http://schemas.microsoft.com/office/powerpoint/2010/main" val="1457521843"/>
+        <p14:creationId xmlns:p14="http://schemas.microsoft.com/office/powerpoint/2010/main" val="3608006960"/>
       </p:ext>
     </p:extLst>
   </p:cSld>
   <p:clrMapOvr>
     <a:masterClrMapping/>
   </p:clrMapOvr>
-  <mc:AlternateContent xmlns:mc="http://schemas.openxmlformats.org/markup-compatibility/2006">
-    <mc:Choice xmlns:p14="http://schemas.microsoft.com/office/powerpoint/2010/main" Requires="p14">
-      <p:transition p14:dur="10" advClick="0" advTm="10000"/>
+  <mc:AlternateContent xmlns:mc="http://schemas.openxmlformats.org/markup-compatibility/2006" xmlns:p14="http://schemas.microsoft.com/office/powerpoint/2010/main">
+    <mc:Choice Requires="p14">
+      <p:transition p14:dur="10" advClick="0" advTm="5000"/>
     </mc:Choice>
-    <mc:Fallback>
-      <p:transition advClick="0" advTm="10000"/>
+    <mc:Fallback xmlns="">
+      <p:transition advClick="0" advTm="5000"/>
     </mc:Fallback>
   </mc:AlternateContent>
 </p:sld>
@@ -7247,8 +7343,8 @@
         </p:nvSpPr>
         <p:spPr>
           <a:xfrm>
-            <a:off x="5677929" y="2613392"/>
-            <a:ext cx="836141" cy="1631216"/>
+            <a:off x="3222410" y="2613392"/>
+            <a:ext cx="5686812" cy="1631216"/>
           </a:xfrm>
           <a:prstGeom prst="rect">
             <a:avLst/>
@@ -7267,7 +7363,7 @@
                   <a:schemeClr val="bg1"/>
                 </a:solidFill>
               </a:rPr>
-              <a:t>+</a:t>
+              <a:t>DISGUSTO</a:t>
             </a:r>
           </a:p>
         </p:txBody>
@@ -7275,7 +7371,7 @@
     </p:spTree>
     <p:extLst>
       <p:ext uri="{BB962C8B-B14F-4D97-AF65-F5344CB8AC3E}">
-        <p14:creationId xmlns:p14="http://schemas.microsoft.com/office/powerpoint/2010/main" val="1240232318"/>
+        <p14:creationId xmlns:p14="http://schemas.microsoft.com/office/powerpoint/2010/main" val="1457521843"/>
       </p:ext>
     </p:extLst>
   </p:cSld>
@@ -7284,10 +7380,10 @@
   </p:clrMapOvr>
   <mc:AlternateContent xmlns:mc="http://schemas.openxmlformats.org/markup-compatibility/2006" xmlns:p14="http://schemas.microsoft.com/office/powerpoint/2010/main">
     <mc:Choice Requires="p14">
-      <p:transition p14:dur="10" advClick="0" advTm="5000"/>
+      <p:transition p14:dur="10" advClick="0" advTm="10000"/>
     </mc:Choice>
     <mc:Fallback xmlns="">
-      <p:transition advClick="0" advTm="5000"/>
+      <p:transition advClick="0" advTm="10000"/>
     </mc:Fallback>
   </mc:AlternateContent>
 </p:sld>
@@ -7326,8 +7422,8 @@
         </p:nvSpPr>
         <p:spPr>
           <a:xfrm>
-            <a:off x="5677929" y="2613392"/>
-            <a:ext cx="836141" cy="1631216"/>
+            <a:off x="4116344" y="2613392"/>
+            <a:ext cx="3959311" cy="1631216"/>
           </a:xfrm>
           <a:prstGeom prst="rect">
             <a:avLst/>
@@ -7346,7 +7442,7 @@
                   <a:schemeClr val="bg1"/>
                 </a:solidFill>
               </a:rPr>
-              <a:t>+</a:t>
+              <a:t>PAURA</a:t>
             </a:r>
           </a:p>
         </p:txBody>
@@ -7354,7 +7450,7 @@
     </p:spTree>
     <p:extLst>
       <p:ext uri="{BB962C8B-B14F-4D97-AF65-F5344CB8AC3E}">
-        <p14:creationId xmlns:p14="http://schemas.microsoft.com/office/powerpoint/2010/main" val="970797210"/>
+        <p14:creationId xmlns:p14="http://schemas.microsoft.com/office/powerpoint/2010/main" val="2577775168"/>
       </p:ext>
     </p:extLst>
   </p:cSld>
@@ -7363,10 +7459,10 @@
   </p:clrMapOvr>
   <mc:AlternateContent xmlns:mc="http://schemas.openxmlformats.org/markup-compatibility/2006" xmlns:p14="http://schemas.microsoft.com/office/powerpoint/2010/main">
     <mc:Choice Requires="p14">
-      <p:transition p14:dur="10" advClick="0" advTm="5000"/>
+      <p:transition p14:dur="10" advClick="0" advTm="10000"/>
     </mc:Choice>
     <mc:Fallback xmlns="">
-      <p:transition advClick="0" advTm="5000"/>
+      <p:transition advClick="0" advTm="10000"/>
     </mc:Fallback>
   </mc:AlternateContent>
 </p:sld>
@@ -7405,8 +7501,8 @@
         </p:nvSpPr>
         <p:spPr>
           <a:xfrm>
-            <a:off x="4434788" y="2613392"/>
-            <a:ext cx="3322424" cy="1631216"/>
+            <a:off x="5677929" y="2613392"/>
+            <a:ext cx="836141" cy="1631216"/>
           </a:xfrm>
           <a:prstGeom prst="rect">
             <a:avLst/>
@@ -7425,7 +7521,7 @@
                   <a:schemeClr val="bg1"/>
                 </a:solidFill>
               </a:rPr>
-              <a:t>GIOIA</a:t>
+              <a:t>+</a:t>
             </a:r>
           </a:p>
         </p:txBody>
@@ -7433,19 +7529,19 @@
     </p:spTree>
     <p:extLst>
       <p:ext uri="{BB962C8B-B14F-4D97-AF65-F5344CB8AC3E}">
-        <p14:creationId xmlns:p14="http://schemas.microsoft.com/office/powerpoint/2010/main" val="4024440941"/>
+        <p14:creationId xmlns:p14="http://schemas.microsoft.com/office/powerpoint/2010/main" val="1240232318"/>
       </p:ext>
     </p:extLst>
   </p:cSld>
   <p:clrMapOvr>
     <a:masterClrMapping/>
   </p:clrMapOvr>
-  <mc:AlternateContent xmlns:mc="http://schemas.openxmlformats.org/markup-compatibility/2006">
-    <mc:Choice xmlns:p14="http://schemas.microsoft.com/office/powerpoint/2010/main" Requires="p14">
-      <p:transition p14:dur="10" advClick="0" advTm="10000"/>
+  <mc:AlternateContent xmlns:mc="http://schemas.openxmlformats.org/markup-compatibility/2006" xmlns:p14="http://schemas.microsoft.com/office/powerpoint/2010/main">
+    <mc:Choice Requires="p14">
+      <p:transition p14:dur="10" advClick="0" advTm="5000"/>
     </mc:Choice>
-    <mc:Fallback>
-      <p:transition advClick="0" advTm="10000"/>
+    <mc:Fallback xmlns="">
+      <p:transition advClick="0" advTm="5000"/>
     </mc:Fallback>
   </mc:AlternateContent>
 </p:sld>
@@ -7484,8 +7580,8 @@
         </p:nvSpPr>
         <p:spPr>
           <a:xfrm>
-            <a:off x="5677929" y="2613392"/>
-            <a:ext cx="836141" cy="1631216"/>
+            <a:off x="4434788" y="2613392"/>
+            <a:ext cx="3322424" cy="1631216"/>
           </a:xfrm>
           <a:prstGeom prst="rect">
             <a:avLst/>
@@ -7504,7 +7600,7 @@
                   <a:schemeClr val="bg1"/>
                 </a:solidFill>
               </a:rPr>
-              <a:t>+</a:t>
+              <a:t>GIOIA</a:t>
             </a:r>
           </a:p>
         </p:txBody>
@@ -7512,7 +7608,7 @@
     </p:spTree>
     <p:extLst>
       <p:ext uri="{BB962C8B-B14F-4D97-AF65-F5344CB8AC3E}">
-        <p14:creationId xmlns:p14="http://schemas.microsoft.com/office/powerpoint/2010/main" val="945663502"/>
+        <p14:creationId xmlns:p14="http://schemas.microsoft.com/office/powerpoint/2010/main" val="4024440941"/>
       </p:ext>
     </p:extLst>
   </p:cSld>
@@ -7521,10 +7617,10 @@
   </p:clrMapOvr>
   <mc:AlternateContent xmlns:mc="http://schemas.openxmlformats.org/markup-compatibility/2006" xmlns:p14="http://schemas.microsoft.com/office/powerpoint/2010/main">
     <mc:Choice Requires="p14">
-      <p:transition p14:dur="10" advClick="0" advTm="5000"/>
+      <p:transition p14:dur="10" advClick="0" advTm="10000"/>
     </mc:Choice>
     <mc:Fallback xmlns="">
-      <p:transition advClick="0" advTm="5000"/>
+      <p:transition advClick="0" advTm="10000"/>
     </mc:Fallback>
   </mc:AlternateContent>
 </p:sld>
@@ -7563,8 +7659,8 @@
         </p:nvSpPr>
         <p:spPr>
           <a:xfrm>
-            <a:off x="3222410" y="2613392"/>
-            <a:ext cx="5747180" cy="1631216"/>
+            <a:off x="5677929" y="2613392"/>
+            <a:ext cx="836141" cy="1631216"/>
           </a:xfrm>
           <a:prstGeom prst="rect">
             <a:avLst/>
@@ -7583,7 +7679,7 @@
                   <a:schemeClr val="bg1"/>
                 </a:solidFill>
               </a:rPr>
-              <a:t>TRISTEZZA</a:t>
+              <a:t>+</a:t>
             </a:r>
           </a:p>
         </p:txBody>
@@ -7591,19 +7687,19 @@
     </p:spTree>
     <p:extLst>
       <p:ext uri="{BB962C8B-B14F-4D97-AF65-F5344CB8AC3E}">
-        <p14:creationId xmlns:p14="http://schemas.microsoft.com/office/powerpoint/2010/main" val="1199185637"/>
+        <p14:creationId xmlns:p14="http://schemas.microsoft.com/office/powerpoint/2010/main" val="945663502"/>
       </p:ext>
     </p:extLst>
   </p:cSld>
   <p:clrMapOvr>
     <a:masterClrMapping/>
   </p:clrMapOvr>
-  <mc:AlternateContent xmlns:mc="http://schemas.openxmlformats.org/markup-compatibility/2006">
-    <mc:Choice xmlns:p14="http://schemas.microsoft.com/office/powerpoint/2010/main" Requires="p14">
-      <p:transition p14:dur="10" advClick="0" advTm="10000"/>
+  <mc:AlternateContent xmlns:mc="http://schemas.openxmlformats.org/markup-compatibility/2006" xmlns:p14="http://schemas.microsoft.com/office/powerpoint/2010/main">
+    <mc:Choice Requires="p14">
+      <p:transition p14:dur="10" advClick="0" advTm="5000"/>
     </mc:Choice>
-    <mc:Fallback>
-      <p:transition advClick="0" advTm="10000"/>
+    <mc:Fallback xmlns="">
+      <p:transition advClick="0" advTm="5000"/>
     </mc:Fallback>
   </mc:AlternateContent>
 </p:sld>
@@ -7642,8 +7738,8 @@
         </p:nvSpPr>
         <p:spPr>
           <a:xfrm>
-            <a:off x="5677929" y="2613392"/>
-            <a:ext cx="836141" cy="1631216"/>
+            <a:off x="3222410" y="2613392"/>
+            <a:ext cx="5747180" cy="1631216"/>
           </a:xfrm>
           <a:prstGeom prst="rect">
             <a:avLst/>
@@ -7662,7 +7758,7 @@
                   <a:schemeClr val="bg1"/>
                 </a:solidFill>
               </a:rPr>
-              <a:t>+</a:t>
+              <a:t>TRISTEZZA</a:t>
             </a:r>
           </a:p>
         </p:txBody>
@@ -7670,7 +7766,7 @@
     </p:spTree>
     <p:extLst>
       <p:ext uri="{BB962C8B-B14F-4D97-AF65-F5344CB8AC3E}">
-        <p14:creationId xmlns:p14="http://schemas.microsoft.com/office/powerpoint/2010/main" val="2638112537"/>
+        <p14:creationId xmlns:p14="http://schemas.microsoft.com/office/powerpoint/2010/main" val="1199185637"/>
       </p:ext>
     </p:extLst>
   </p:cSld>
@@ -7679,10 +7775,10 @@
   </p:clrMapOvr>
   <mc:AlternateContent xmlns:mc="http://schemas.openxmlformats.org/markup-compatibility/2006" xmlns:p14="http://schemas.microsoft.com/office/powerpoint/2010/main">
     <mc:Choice Requires="p14">
-      <p:transition p14:dur="10" advClick="0" advTm="5000"/>
+      <p:transition p14:dur="10" advClick="0" advTm="10000"/>
     </mc:Choice>
     <mc:Fallback xmlns="">
-      <p:transition advClick="0" advTm="5000"/>
+      <p:transition advClick="0" advTm="10000"/>
     </mc:Fallback>
   </mc:AlternateContent>
 </p:sld>
@@ -7721,8 +7817,8 @@
         </p:nvSpPr>
         <p:spPr>
           <a:xfrm>
-            <a:off x="3222410" y="2613392"/>
-            <a:ext cx="5686812" cy="1631216"/>
+            <a:off x="5677929" y="2613392"/>
+            <a:ext cx="836141" cy="1631216"/>
           </a:xfrm>
           <a:prstGeom prst="rect">
             <a:avLst/>
@@ -7741,7 +7837,7 @@
                   <a:schemeClr val="bg1"/>
                 </a:solidFill>
               </a:rPr>
-              <a:t>DISGUSTO</a:t>
+              <a:t>+</a:t>
             </a:r>
           </a:p>
         </p:txBody>
@@ -7749,19 +7845,19 @@
     </p:spTree>
     <p:extLst>
       <p:ext uri="{BB962C8B-B14F-4D97-AF65-F5344CB8AC3E}">
-        <p14:creationId xmlns:p14="http://schemas.microsoft.com/office/powerpoint/2010/main" val="3033613889"/>
+        <p14:creationId xmlns:p14="http://schemas.microsoft.com/office/powerpoint/2010/main" val="2638112537"/>
       </p:ext>
     </p:extLst>
   </p:cSld>
   <p:clrMapOvr>
     <a:masterClrMapping/>
   </p:clrMapOvr>
-  <mc:AlternateContent xmlns:mc="http://schemas.openxmlformats.org/markup-compatibility/2006">
-    <mc:Choice xmlns:p14="http://schemas.microsoft.com/office/powerpoint/2010/main" Requires="p14">
-      <p:transition p14:dur="10" advClick="0" advTm="10000"/>
+  <mc:AlternateContent xmlns:mc="http://schemas.openxmlformats.org/markup-compatibility/2006" xmlns:p14="http://schemas.microsoft.com/office/powerpoint/2010/main">
+    <mc:Choice Requires="p14">
+      <p:transition p14:dur="10" advClick="0" advTm="5000"/>
     </mc:Choice>
-    <mc:Fallback>
-      <p:transition advClick="0" advTm="10000"/>
+    <mc:Fallback xmlns="">
+      <p:transition advClick="0" advTm="5000"/>
     </mc:Fallback>
   </mc:AlternateContent>
 </p:sld>
@@ -7800,8 +7896,8 @@
         </p:nvSpPr>
         <p:spPr>
           <a:xfrm>
-            <a:off x="5677929" y="2613392"/>
-            <a:ext cx="836141" cy="1631216"/>
+            <a:off x="3222410" y="2613392"/>
+            <a:ext cx="5686812" cy="1631216"/>
           </a:xfrm>
           <a:prstGeom prst="rect">
             <a:avLst/>
@@ -7820,7 +7916,7 @@
                   <a:schemeClr val="bg1"/>
                 </a:solidFill>
               </a:rPr>
-              <a:t>+</a:t>
+              <a:t>DISGUSTO</a:t>
             </a:r>
           </a:p>
         </p:txBody>
@@ -7828,7 +7924,7 @@
     </p:spTree>
     <p:extLst>
       <p:ext uri="{BB962C8B-B14F-4D97-AF65-F5344CB8AC3E}">
-        <p14:creationId xmlns:p14="http://schemas.microsoft.com/office/powerpoint/2010/main" val="2676397054"/>
+        <p14:creationId xmlns:p14="http://schemas.microsoft.com/office/powerpoint/2010/main" val="3033613889"/>
       </p:ext>
     </p:extLst>
   </p:cSld>
@@ -7837,10 +7933,10 @@
   </p:clrMapOvr>
   <mc:AlternateContent xmlns:mc="http://schemas.openxmlformats.org/markup-compatibility/2006" xmlns:p14="http://schemas.microsoft.com/office/powerpoint/2010/main">
     <mc:Choice Requires="p14">
-      <p:transition p14:dur="10" advClick="0" advTm="5000"/>
+      <p:transition p14:dur="10" advClick="0" advTm="10000"/>
     </mc:Choice>
     <mc:Fallback xmlns="">
-      <p:transition advClick="0" advTm="5000"/>
+      <p:transition advClick="0" advTm="10000"/>
     </mc:Fallback>
   </mc:AlternateContent>
 </p:sld>
@@ -7879,8 +7975,8 @@
         </p:nvSpPr>
         <p:spPr>
           <a:xfrm>
-            <a:off x="4265848" y="2613392"/>
-            <a:ext cx="3660304" cy="1631216"/>
+            <a:off x="5677929" y="2613392"/>
+            <a:ext cx="836141" cy="1631216"/>
           </a:xfrm>
           <a:prstGeom prst="rect">
             <a:avLst/>
@@ -7899,7 +7995,7 @@
                   <a:schemeClr val="bg1"/>
                 </a:solidFill>
               </a:rPr>
-              <a:t>RELAX</a:t>
+              <a:t>+</a:t>
             </a:r>
           </a:p>
         </p:txBody>
@@ -7907,19 +8003,19 @@
     </p:spTree>
     <p:extLst>
       <p:ext uri="{BB962C8B-B14F-4D97-AF65-F5344CB8AC3E}">
-        <p14:creationId xmlns:p14="http://schemas.microsoft.com/office/powerpoint/2010/main" val="3876914920"/>
+        <p14:creationId xmlns:p14="http://schemas.microsoft.com/office/powerpoint/2010/main" val="2676397054"/>
       </p:ext>
     </p:extLst>
   </p:cSld>
   <p:clrMapOvr>
     <a:masterClrMapping/>
   </p:clrMapOvr>
-  <mc:AlternateContent xmlns:mc="http://schemas.openxmlformats.org/markup-compatibility/2006">
-    <mc:Choice xmlns:p14="http://schemas.microsoft.com/office/powerpoint/2010/main" Requires="p14">
-      <p:transition p14:dur="10" advClick="0" advTm="10000"/>
+  <mc:AlternateContent xmlns:mc="http://schemas.openxmlformats.org/markup-compatibility/2006" xmlns:p14="http://schemas.microsoft.com/office/powerpoint/2010/main">
+    <mc:Choice Requires="p14">
+      <p:transition p14:dur="10" advClick="0" advTm="5000"/>
     </mc:Choice>
-    <mc:Fallback>
-      <p:transition advClick="0" advTm="10000"/>
+    <mc:Fallback xmlns="">
+      <p:transition advClick="0" advTm="5000"/>
     </mc:Fallback>
   </mc:AlternateContent>
 </p:sld>
@@ -7958,8 +8054,8 @@
         </p:nvSpPr>
         <p:spPr>
           <a:xfrm>
-            <a:off x="5677929" y="2613392"/>
-            <a:ext cx="836141" cy="1631216"/>
+            <a:off x="4265848" y="2613392"/>
+            <a:ext cx="3660304" cy="1631216"/>
           </a:xfrm>
           <a:prstGeom prst="rect">
             <a:avLst/>
@@ -7978,7 +8074,7 @@
                   <a:schemeClr val="bg1"/>
                 </a:solidFill>
               </a:rPr>
-              <a:t>+</a:t>
+              <a:t>RELAX</a:t>
             </a:r>
           </a:p>
         </p:txBody>
@@ -7986,7 +8082,7 @@
     </p:spTree>
     <p:extLst>
       <p:ext uri="{BB962C8B-B14F-4D97-AF65-F5344CB8AC3E}">
-        <p14:creationId xmlns:p14="http://schemas.microsoft.com/office/powerpoint/2010/main" val="2069849076"/>
+        <p14:creationId xmlns:p14="http://schemas.microsoft.com/office/powerpoint/2010/main" val="3876914920"/>
       </p:ext>
     </p:extLst>
   </p:cSld>
@@ -7995,10 +8091,10 @@
   </p:clrMapOvr>
   <mc:AlternateContent xmlns:mc="http://schemas.openxmlformats.org/markup-compatibility/2006" xmlns:p14="http://schemas.microsoft.com/office/powerpoint/2010/main">
     <mc:Choice Requires="p14">
-      <p:transition p14:dur="10" advClick="0" advTm="5000"/>
+      <p:transition p14:dur="10" advClick="0" advTm="10000"/>
     </mc:Choice>
     <mc:Fallback xmlns="">
-      <p:transition advClick="0" advTm="5000"/>
+      <p:transition advClick="0" advTm="10000"/>
     </mc:Fallback>
   </mc:AlternateContent>
 </p:sld>
@@ -8037,8 +8133,8 @@
         </p:nvSpPr>
         <p:spPr>
           <a:xfrm>
-            <a:off x="3936657" y="2613392"/>
-            <a:ext cx="4318686" cy="1631216"/>
+            <a:off x="5677929" y="2613392"/>
+            <a:ext cx="836141" cy="1631216"/>
           </a:xfrm>
           <a:prstGeom prst="rect">
             <a:avLst/>
@@ -8057,7 +8153,7 @@
                   <a:schemeClr val="bg1"/>
                 </a:solidFill>
               </a:rPr>
-              <a:t>RABBIA</a:t>
+              <a:t>+</a:t>
             </a:r>
           </a:p>
         </p:txBody>
@@ -8065,19 +8161,19 @@
     </p:spTree>
     <p:extLst>
       <p:ext uri="{BB962C8B-B14F-4D97-AF65-F5344CB8AC3E}">
-        <p14:creationId xmlns:p14="http://schemas.microsoft.com/office/powerpoint/2010/main" val="1849087314"/>
+        <p14:creationId xmlns:p14="http://schemas.microsoft.com/office/powerpoint/2010/main" val="2069849076"/>
       </p:ext>
     </p:extLst>
   </p:cSld>
   <p:clrMapOvr>
     <a:masterClrMapping/>
   </p:clrMapOvr>
-  <mc:AlternateContent xmlns:mc="http://schemas.openxmlformats.org/markup-compatibility/2006">
-    <mc:Choice xmlns:p14="http://schemas.microsoft.com/office/powerpoint/2010/main" Requires="p14">
-      <p:transition p14:dur="10" advClick="0" advTm="10000"/>
+  <mc:AlternateContent xmlns:mc="http://schemas.openxmlformats.org/markup-compatibility/2006" xmlns:p14="http://schemas.microsoft.com/office/powerpoint/2010/main">
+    <mc:Choice Requires="p14">
+      <p:transition p14:dur="10" advClick="0" advTm="5000"/>
     </mc:Choice>
-    <mc:Fallback>
-      <p:transition advClick="0" advTm="10000"/>
+    <mc:Fallback xmlns="">
+      <p:transition advClick="0" advTm="5000"/>
     </mc:Fallback>
   </mc:AlternateContent>
 </p:sld>
@@ -8116,8 +8212,8 @@
         </p:nvSpPr>
         <p:spPr>
           <a:xfrm>
-            <a:off x="5677929" y="2613392"/>
-            <a:ext cx="836141" cy="1631216"/>
+            <a:off x="3936657" y="2613392"/>
+            <a:ext cx="4318686" cy="1631216"/>
           </a:xfrm>
           <a:prstGeom prst="rect">
             <a:avLst/>
@@ -8136,7 +8232,7 @@
                   <a:schemeClr val="bg1"/>
                 </a:solidFill>
               </a:rPr>
-              <a:t>+</a:t>
+              <a:t>RABBIA</a:t>
             </a:r>
           </a:p>
         </p:txBody>
@@ -8144,7 +8240,7 @@
     </p:spTree>
     <p:extLst>
       <p:ext uri="{BB962C8B-B14F-4D97-AF65-F5344CB8AC3E}">
-        <p14:creationId xmlns:p14="http://schemas.microsoft.com/office/powerpoint/2010/main" val="3624112970"/>
+        <p14:creationId xmlns:p14="http://schemas.microsoft.com/office/powerpoint/2010/main" val="1849087314"/>
       </p:ext>
     </p:extLst>
   </p:cSld>
@@ -8153,10 +8249,10 @@
   </p:clrMapOvr>
   <mc:AlternateContent xmlns:mc="http://schemas.openxmlformats.org/markup-compatibility/2006" xmlns:p14="http://schemas.microsoft.com/office/powerpoint/2010/main">
     <mc:Choice Requires="p14">
-      <p:transition p14:dur="10" advClick="0" advTm="5000"/>
+      <p:transition p14:dur="10" advClick="0" advTm="10000"/>
     </mc:Choice>
     <mc:Fallback xmlns="">
-      <p:transition advClick="0" advTm="5000"/>
+      <p:transition advClick="0" advTm="10000"/>
     </mc:Fallback>
   </mc:AlternateContent>
 </p:sld>
@@ -8195,8 +8291,8 @@
         </p:nvSpPr>
         <p:spPr>
           <a:xfrm>
-            <a:off x="4434788" y="2613392"/>
-            <a:ext cx="3322424" cy="1631216"/>
+            <a:off x="5677929" y="2613392"/>
+            <a:ext cx="836141" cy="1631216"/>
           </a:xfrm>
           <a:prstGeom prst="rect">
             <a:avLst/>
@@ -8215,7 +8311,7 @@
                   <a:schemeClr val="bg1"/>
                 </a:solidFill>
               </a:rPr>
-              <a:t>GIOIA</a:t>
+              <a:t>+</a:t>
             </a:r>
           </a:p>
         </p:txBody>
@@ -8223,19 +8319,19 @@
     </p:spTree>
     <p:extLst>
       <p:ext uri="{BB962C8B-B14F-4D97-AF65-F5344CB8AC3E}">
-        <p14:creationId xmlns:p14="http://schemas.microsoft.com/office/powerpoint/2010/main" val="2945476539"/>
+        <p14:creationId xmlns:p14="http://schemas.microsoft.com/office/powerpoint/2010/main" val="970797210"/>
       </p:ext>
     </p:extLst>
   </p:cSld>
   <p:clrMapOvr>
     <a:masterClrMapping/>
   </p:clrMapOvr>
-  <mc:AlternateContent xmlns:mc="http://schemas.openxmlformats.org/markup-compatibility/2006">
-    <mc:Choice xmlns:p14="http://schemas.microsoft.com/office/powerpoint/2010/main" Requires="p14">
-      <p:transition p14:dur="10" advClick="0" advTm="10000"/>
+  <mc:AlternateContent xmlns:mc="http://schemas.openxmlformats.org/markup-compatibility/2006" xmlns:p14="http://schemas.microsoft.com/office/powerpoint/2010/main">
+    <mc:Choice Requires="p14">
+      <p:transition p14:dur="10" advClick="0" advTm="5000"/>
     </mc:Choice>
-    <mc:Fallback>
-      <p:transition advClick="0" advTm="10000"/>
+    <mc:Fallback xmlns="">
+      <p:transition advClick="0" advTm="5000"/>
     </mc:Fallback>
   </mc:AlternateContent>
 </p:sld>
@@ -8274,8 +8370,8 @@
         </p:nvSpPr>
         <p:spPr>
           <a:xfrm>
-            <a:off x="4116344" y="2613392"/>
-            <a:ext cx="3959311" cy="1631216"/>
+            <a:off x="5677929" y="2613392"/>
+            <a:ext cx="836141" cy="1631216"/>
           </a:xfrm>
           <a:prstGeom prst="rect">
             <a:avLst/>
@@ -8294,7 +8390,7 @@
                   <a:schemeClr val="bg1"/>
                 </a:solidFill>
               </a:rPr>
-              <a:t>PAURA</a:t>
+              <a:t>+</a:t>
             </a:r>
           </a:p>
         </p:txBody>
@@ -8302,19 +8398,19 @@
     </p:spTree>
     <p:extLst>
       <p:ext uri="{BB962C8B-B14F-4D97-AF65-F5344CB8AC3E}">
-        <p14:creationId xmlns:p14="http://schemas.microsoft.com/office/powerpoint/2010/main" val="3576971920"/>
+        <p14:creationId xmlns:p14="http://schemas.microsoft.com/office/powerpoint/2010/main" val="3624112970"/>
       </p:ext>
     </p:extLst>
   </p:cSld>
   <p:clrMapOvr>
     <a:masterClrMapping/>
   </p:clrMapOvr>
-  <mc:AlternateContent xmlns:mc="http://schemas.openxmlformats.org/markup-compatibility/2006">
-    <mc:Choice xmlns:p14="http://schemas.microsoft.com/office/powerpoint/2010/main" Requires="p14">
-      <p:transition p14:dur="10" advClick="0" advTm="10000"/>
+  <mc:AlternateContent xmlns:mc="http://schemas.openxmlformats.org/markup-compatibility/2006" xmlns:p14="http://schemas.microsoft.com/office/powerpoint/2010/main">
+    <mc:Choice Requires="p14">
+      <p:transition p14:dur="10" advClick="0" advTm="5000"/>
     </mc:Choice>
-    <mc:Fallback>
-      <p:transition advClick="0" advTm="10000"/>
+    <mc:Fallback xmlns="">
+      <p:transition advClick="0" advTm="5000"/>
     </mc:Fallback>
   </mc:AlternateContent>
 </p:sld>
@@ -8353,8 +8449,8 @@
         </p:nvSpPr>
         <p:spPr>
           <a:xfrm>
-            <a:off x="5677929" y="2613392"/>
-            <a:ext cx="836141" cy="1631216"/>
+            <a:off x="4116344" y="2613392"/>
+            <a:ext cx="3959311" cy="1631216"/>
           </a:xfrm>
           <a:prstGeom prst="rect">
             <a:avLst/>
@@ -8373,7 +8469,7 @@
                   <a:schemeClr val="bg1"/>
                 </a:solidFill>
               </a:rPr>
-              <a:t>+</a:t>
+              <a:t>PAURA</a:t>
             </a:r>
           </a:p>
         </p:txBody>
@@ -8381,7 +8477,7 @@
     </p:spTree>
     <p:extLst>
       <p:ext uri="{BB962C8B-B14F-4D97-AF65-F5344CB8AC3E}">
-        <p14:creationId xmlns:p14="http://schemas.microsoft.com/office/powerpoint/2010/main" val="1949310770"/>
+        <p14:creationId xmlns:p14="http://schemas.microsoft.com/office/powerpoint/2010/main" val="3576971920"/>
       </p:ext>
     </p:extLst>
   </p:cSld>
@@ -8390,10 +8486,10 @@
   </p:clrMapOvr>
   <mc:AlternateContent xmlns:mc="http://schemas.openxmlformats.org/markup-compatibility/2006" xmlns:p14="http://schemas.microsoft.com/office/powerpoint/2010/main">
     <mc:Choice Requires="p14">
-      <p:transition p14:dur="10" advClick="0" advTm="5000"/>
+      <p:transition p14:dur="10" advClick="0" advTm="10000"/>
     </mc:Choice>
     <mc:Fallback xmlns="">
-      <p:transition advClick="0" advTm="5000"/>
+      <p:transition advClick="0" advTm="10000"/>
     </mc:Fallback>
   </mc:AlternateContent>
 </p:sld>
@@ -8432,8 +8528,8 @@
         </p:nvSpPr>
         <p:spPr>
           <a:xfrm>
-            <a:off x="4265848" y="2613392"/>
-            <a:ext cx="3660304" cy="1631216"/>
+            <a:off x="5677929" y="2613392"/>
+            <a:ext cx="836141" cy="1631216"/>
           </a:xfrm>
           <a:prstGeom prst="rect">
             <a:avLst/>
@@ -8452,7 +8548,7 @@
                   <a:schemeClr val="bg1"/>
                 </a:solidFill>
               </a:rPr>
-              <a:t>RELAX</a:t>
+              <a:t>+</a:t>
             </a:r>
           </a:p>
         </p:txBody>
@@ -8460,19 +8556,19 @@
     </p:spTree>
     <p:extLst>
       <p:ext uri="{BB962C8B-B14F-4D97-AF65-F5344CB8AC3E}">
-        <p14:creationId xmlns:p14="http://schemas.microsoft.com/office/powerpoint/2010/main" val="1149694516"/>
+        <p14:creationId xmlns:p14="http://schemas.microsoft.com/office/powerpoint/2010/main" val="1949310770"/>
       </p:ext>
     </p:extLst>
   </p:cSld>
   <p:clrMapOvr>
     <a:masterClrMapping/>
   </p:clrMapOvr>
-  <mc:AlternateContent xmlns:mc="http://schemas.openxmlformats.org/markup-compatibility/2006">
-    <mc:Choice xmlns:p14="http://schemas.microsoft.com/office/powerpoint/2010/main" Requires="p14">
-      <p:transition p14:dur="10" advClick="0" advTm="10000"/>
+  <mc:AlternateContent xmlns:mc="http://schemas.openxmlformats.org/markup-compatibility/2006" xmlns:p14="http://schemas.microsoft.com/office/powerpoint/2010/main">
+    <mc:Choice Requires="p14">
+      <p:transition p14:dur="10" advClick="0" advTm="5000"/>
     </mc:Choice>
-    <mc:Fallback>
-      <p:transition advClick="0" advTm="10000"/>
+    <mc:Fallback xmlns="">
+      <p:transition advClick="0" advTm="5000"/>
     </mc:Fallback>
   </mc:AlternateContent>
 </p:sld>
@@ -8511,8 +8607,8 @@
         </p:nvSpPr>
         <p:spPr>
           <a:xfrm>
-            <a:off x="5677929" y="2613392"/>
-            <a:ext cx="836141" cy="1631216"/>
+            <a:off x="4265848" y="2613392"/>
+            <a:ext cx="3660304" cy="1631216"/>
           </a:xfrm>
           <a:prstGeom prst="rect">
             <a:avLst/>
@@ -8531,7 +8627,7 @@
                   <a:schemeClr val="bg1"/>
                 </a:solidFill>
               </a:rPr>
-              <a:t>+</a:t>
+              <a:t>RELAX</a:t>
             </a:r>
           </a:p>
         </p:txBody>
@@ -8539,7 +8635,7 @@
     </p:spTree>
     <p:extLst>
       <p:ext uri="{BB962C8B-B14F-4D97-AF65-F5344CB8AC3E}">
-        <p14:creationId xmlns:p14="http://schemas.microsoft.com/office/powerpoint/2010/main" val="3070802102"/>
+        <p14:creationId xmlns:p14="http://schemas.microsoft.com/office/powerpoint/2010/main" val="1149694516"/>
       </p:ext>
     </p:extLst>
   </p:cSld>
@@ -8548,10 +8644,10 @@
   </p:clrMapOvr>
   <mc:AlternateContent xmlns:mc="http://schemas.openxmlformats.org/markup-compatibility/2006" xmlns:p14="http://schemas.microsoft.com/office/powerpoint/2010/main">
     <mc:Choice Requires="p14">
-      <p:transition p14:dur="10" advClick="0" advTm="5000"/>
+      <p:transition p14:dur="10" advClick="0" advTm="10000"/>
     </mc:Choice>
     <mc:Fallback xmlns="">
-      <p:transition advClick="0" advTm="5000"/>
+      <p:transition advClick="0" advTm="10000"/>
     </mc:Fallback>
   </mc:AlternateContent>
 </p:sld>
@@ -8590,8 +8686,8 @@
         </p:nvSpPr>
         <p:spPr>
           <a:xfrm>
-            <a:off x="3222410" y="2613392"/>
-            <a:ext cx="5747180" cy="1631216"/>
+            <a:off x="5677929" y="2613392"/>
+            <a:ext cx="836141" cy="1631216"/>
           </a:xfrm>
           <a:prstGeom prst="rect">
             <a:avLst/>
@@ -8610,7 +8706,7 @@
                   <a:schemeClr val="bg1"/>
                 </a:solidFill>
               </a:rPr>
-              <a:t>TRISTEZZA</a:t>
+              <a:t>+</a:t>
             </a:r>
           </a:p>
         </p:txBody>
@@ -8618,19 +8714,19 @@
     </p:spTree>
     <p:extLst>
       <p:ext uri="{BB962C8B-B14F-4D97-AF65-F5344CB8AC3E}">
-        <p14:creationId xmlns:p14="http://schemas.microsoft.com/office/powerpoint/2010/main" val="3641447696"/>
+        <p14:creationId xmlns:p14="http://schemas.microsoft.com/office/powerpoint/2010/main" val="3070802102"/>
       </p:ext>
     </p:extLst>
   </p:cSld>
   <p:clrMapOvr>
     <a:masterClrMapping/>
   </p:clrMapOvr>
-  <mc:AlternateContent xmlns:mc="http://schemas.openxmlformats.org/markup-compatibility/2006">
-    <mc:Choice xmlns:p14="http://schemas.microsoft.com/office/powerpoint/2010/main" Requires="p14">
-      <p:transition p14:dur="10" advClick="0" advTm="10000"/>
+  <mc:AlternateContent xmlns:mc="http://schemas.openxmlformats.org/markup-compatibility/2006" xmlns:p14="http://schemas.microsoft.com/office/powerpoint/2010/main">
+    <mc:Choice Requires="p14">
+      <p:transition p14:dur="10" advClick="0" advTm="5000"/>
     </mc:Choice>
-    <mc:Fallback>
-      <p:transition advClick="0" advTm="10000"/>
+    <mc:Fallback xmlns="">
+      <p:transition advClick="0" advTm="5000"/>
     </mc:Fallback>
   </mc:AlternateContent>
 </p:sld>
@@ -8669,8 +8765,8 @@
         </p:nvSpPr>
         <p:spPr>
           <a:xfrm>
-            <a:off x="5677929" y="2613392"/>
-            <a:ext cx="836141" cy="1631216"/>
+            <a:off x="3222410" y="2613392"/>
+            <a:ext cx="5747180" cy="1631216"/>
           </a:xfrm>
           <a:prstGeom prst="rect">
             <a:avLst/>
@@ -8689,7 +8785,7 @@
                   <a:schemeClr val="bg1"/>
                 </a:solidFill>
               </a:rPr>
-              <a:t>+</a:t>
+              <a:t>TRISTEZZA</a:t>
             </a:r>
           </a:p>
         </p:txBody>
@@ -8697,7 +8793,7 @@
     </p:spTree>
     <p:extLst>
       <p:ext uri="{BB962C8B-B14F-4D97-AF65-F5344CB8AC3E}">
-        <p14:creationId xmlns:p14="http://schemas.microsoft.com/office/powerpoint/2010/main" val="1226206359"/>
+        <p14:creationId xmlns:p14="http://schemas.microsoft.com/office/powerpoint/2010/main" val="3641447696"/>
       </p:ext>
     </p:extLst>
   </p:cSld>
@@ -8706,10 +8802,10 @@
   </p:clrMapOvr>
   <mc:AlternateContent xmlns:mc="http://schemas.openxmlformats.org/markup-compatibility/2006" xmlns:p14="http://schemas.microsoft.com/office/powerpoint/2010/main">
     <mc:Choice Requires="p14">
-      <p:transition p14:dur="10" advClick="0" advTm="5000"/>
+      <p:transition p14:dur="10" advClick="0" advTm="10000"/>
     </mc:Choice>
     <mc:Fallback xmlns="">
-      <p:transition advClick="0" advTm="5000"/>
+      <p:transition advClick="0" advTm="10000"/>
     </mc:Fallback>
   </mc:AlternateContent>
 </p:sld>
@@ -8748,8 +8844,8 @@
         </p:nvSpPr>
         <p:spPr>
           <a:xfrm>
-            <a:off x="3222410" y="2613392"/>
-            <a:ext cx="5747180" cy="1631216"/>
+            <a:off x="5677929" y="2613392"/>
+            <a:ext cx="836141" cy="1631216"/>
           </a:xfrm>
           <a:prstGeom prst="rect">
             <a:avLst/>
@@ -8768,7 +8864,7 @@
                   <a:schemeClr val="bg1"/>
                 </a:solidFill>
               </a:rPr>
-              <a:t>SORPRESA</a:t>
+              <a:t>+</a:t>
             </a:r>
           </a:p>
         </p:txBody>
@@ -8776,19 +8872,19 @@
     </p:spTree>
     <p:extLst>
       <p:ext uri="{BB962C8B-B14F-4D97-AF65-F5344CB8AC3E}">
-        <p14:creationId xmlns:p14="http://schemas.microsoft.com/office/powerpoint/2010/main" val="2487573940"/>
+        <p14:creationId xmlns:p14="http://schemas.microsoft.com/office/powerpoint/2010/main" val="1226206359"/>
       </p:ext>
     </p:extLst>
   </p:cSld>
   <p:clrMapOvr>
     <a:masterClrMapping/>
   </p:clrMapOvr>
-  <mc:AlternateContent xmlns:mc="http://schemas.openxmlformats.org/markup-compatibility/2006">
-    <mc:Choice xmlns:p14="http://schemas.microsoft.com/office/powerpoint/2010/main" Requires="p14">
-      <p:transition p14:dur="10" advClick="0" advTm="10000"/>
+  <mc:AlternateContent xmlns:mc="http://schemas.openxmlformats.org/markup-compatibility/2006" xmlns:p14="http://schemas.microsoft.com/office/powerpoint/2010/main">
+    <mc:Choice Requires="p14">
+      <p:transition p14:dur="10" advClick="0" advTm="5000"/>
     </mc:Choice>
-    <mc:Fallback>
-      <p:transition advClick="0" advTm="10000"/>
+    <mc:Fallback xmlns="">
+      <p:transition advClick="0" advTm="5000"/>
     </mc:Fallback>
   </mc:AlternateContent>
 </p:sld>
@@ -8827,8 +8923,8 @@
         </p:nvSpPr>
         <p:spPr>
           <a:xfrm>
-            <a:off x="5677929" y="2613392"/>
-            <a:ext cx="836141" cy="1631216"/>
+            <a:off x="3222410" y="2613392"/>
+            <a:ext cx="5747180" cy="1631216"/>
           </a:xfrm>
           <a:prstGeom prst="rect">
             <a:avLst/>
@@ -8847,7 +8943,7 @@
                   <a:schemeClr val="bg1"/>
                 </a:solidFill>
               </a:rPr>
-              <a:t>+</a:t>
+              <a:t>SORPRESA</a:t>
             </a:r>
           </a:p>
         </p:txBody>
@@ -8855,7 +8951,7 @@
     </p:spTree>
     <p:extLst>
       <p:ext uri="{BB962C8B-B14F-4D97-AF65-F5344CB8AC3E}">
-        <p14:creationId xmlns:p14="http://schemas.microsoft.com/office/powerpoint/2010/main" val="1961143240"/>
+        <p14:creationId xmlns:p14="http://schemas.microsoft.com/office/powerpoint/2010/main" val="2487573940"/>
       </p:ext>
     </p:extLst>
   </p:cSld>
@@ -8864,10 +8960,10 @@
   </p:clrMapOvr>
   <mc:AlternateContent xmlns:mc="http://schemas.openxmlformats.org/markup-compatibility/2006" xmlns:p14="http://schemas.microsoft.com/office/powerpoint/2010/main">
     <mc:Choice Requires="p14">
-      <p:transition p14:dur="10" advClick="0" advTm="5000"/>
+      <p:transition p14:dur="10" advClick="0" advTm="10000"/>
     </mc:Choice>
     <mc:Fallback xmlns="">
-      <p:transition advClick="0" advTm="5000"/>
+      <p:transition advClick="0" advTm="10000"/>
     </mc:Fallback>
   </mc:AlternateContent>
 </p:sld>
@@ -8906,8 +9002,8 @@
         </p:nvSpPr>
         <p:spPr>
           <a:xfrm>
-            <a:off x="4434788" y="2613392"/>
-            <a:ext cx="3322424" cy="1631216"/>
+            <a:off x="5677929" y="2613392"/>
+            <a:ext cx="836141" cy="1631216"/>
           </a:xfrm>
           <a:prstGeom prst="rect">
             <a:avLst/>
@@ -8926,7 +9022,7 @@
                   <a:schemeClr val="bg1"/>
                 </a:solidFill>
               </a:rPr>
-              <a:t>GIOIA</a:t>
+              <a:t>+</a:t>
             </a:r>
           </a:p>
         </p:txBody>
@@ -8934,19 +9030,19 @@
     </p:spTree>
     <p:extLst>
       <p:ext uri="{BB962C8B-B14F-4D97-AF65-F5344CB8AC3E}">
-        <p14:creationId xmlns:p14="http://schemas.microsoft.com/office/powerpoint/2010/main" val="4154201038"/>
+        <p14:creationId xmlns:p14="http://schemas.microsoft.com/office/powerpoint/2010/main" val="1961143240"/>
       </p:ext>
     </p:extLst>
   </p:cSld>
   <p:clrMapOvr>
     <a:masterClrMapping/>
   </p:clrMapOvr>
-  <mc:AlternateContent xmlns:mc="http://schemas.openxmlformats.org/markup-compatibility/2006">
-    <mc:Choice xmlns:p14="http://schemas.microsoft.com/office/powerpoint/2010/main" Requires="p14">
-      <p:transition p14:dur="10" advClick="0" advTm="10000"/>
+  <mc:AlternateContent xmlns:mc="http://schemas.openxmlformats.org/markup-compatibility/2006" xmlns:p14="http://schemas.microsoft.com/office/powerpoint/2010/main">
+    <mc:Choice Requires="p14">
+      <p:transition p14:dur="10" advClick="0" advTm="5000"/>
     </mc:Choice>
-    <mc:Fallback>
-      <p:transition advClick="0" advTm="10000"/>
+    <mc:Fallback xmlns="">
+      <p:transition advClick="0" advTm="5000"/>
     </mc:Fallback>
   </mc:AlternateContent>
 </p:sld>
@@ -8985,8 +9081,8 @@
         </p:nvSpPr>
         <p:spPr>
           <a:xfrm>
-            <a:off x="5677929" y="2613392"/>
-            <a:ext cx="836141" cy="1631216"/>
+            <a:off x="4434788" y="2613392"/>
+            <a:ext cx="3322424" cy="1631216"/>
           </a:xfrm>
           <a:prstGeom prst="rect">
             <a:avLst/>
@@ -9005,7 +9101,7 @@
                   <a:schemeClr val="bg1"/>
                 </a:solidFill>
               </a:rPr>
-              <a:t>+</a:t>
+              <a:t>GIOIA</a:t>
             </a:r>
           </a:p>
         </p:txBody>
@@ -9013,7 +9109,7 @@
     </p:spTree>
     <p:extLst>
       <p:ext uri="{BB962C8B-B14F-4D97-AF65-F5344CB8AC3E}">
-        <p14:creationId xmlns:p14="http://schemas.microsoft.com/office/powerpoint/2010/main" val="2464632187"/>
+        <p14:creationId xmlns:p14="http://schemas.microsoft.com/office/powerpoint/2010/main" val="4154201038"/>
       </p:ext>
     </p:extLst>
   </p:cSld>
@@ -9022,10 +9118,10 @@
   </p:clrMapOvr>
   <mc:AlternateContent xmlns:mc="http://schemas.openxmlformats.org/markup-compatibility/2006" xmlns:p14="http://schemas.microsoft.com/office/powerpoint/2010/main">
     <mc:Choice Requires="p14">
-      <p:transition p14:dur="10" advClick="0" advTm="5000"/>
+      <p:transition p14:dur="10" advClick="0" advTm="10000"/>
     </mc:Choice>
     <mc:Fallback xmlns="">
-      <p:transition advClick="0" advTm="5000"/>
+      <p:transition advClick="0" advTm="10000"/>
     </mc:Fallback>
   </mc:AlternateContent>
 </p:sld>
@@ -9064,8 +9160,8 @@
         </p:nvSpPr>
         <p:spPr>
           <a:xfrm>
-            <a:off x="5677929" y="2613392"/>
-            <a:ext cx="836141" cy="1631216"/>
+            <a:off x="4434788" y="2613392"/>
+            <a:ext cx="3322424" cy="1631216"/>
           </a:xfrm>
           <a:prstGeom prst="rect">
             <a:avLst/>
@@ -9084,7 +9180,7 @@
                   <a:schemeClr val="bg1"/>
                 </a:solidFill>
               </a:rPr>
-              <a:t>+</a:t>
+              <a:t>GIOIA</a:t>
             </a:r>
           </a:p>
         </p:txBody>
@@ -9092,7 +9188,7 @@
     </p:spTree>
     <p:extLst>
       <p:ext uri="{BB962C8B-B14F-4D97-AF65-F5344CB8AC3E}">
-        <p14:creationId xmlns:p14="http://schemas.microsoft.com/office/powerpoint/2010/main" val="1934058031"/>
+        <p14:creationId xmlns:p14="http://schemas.microsoft.com/office/powerpoint/2010/main" val="2945476539"/>
       </p:ext>
     </p:extLst>
   </p:cSld>
@@ -9101,10 +9197,10 @@
   </p:clrMapOvr>
   <mc:AlternateContent xmlns:mc="http://schemas.openxmlformats.org/markup-compatibility/2006" xmlns:p14="http://schemas.microsoft.com/office/powerpoint/2010/main">
     <mc:Choice Requires="p14">
-      <p:transition p14:dur="10" advClick="0" advTm="5000"/>
+      <p:transition p14:dur="10" advClick="0" advTm="10000"/>
     </mc:Choice>
     <mc:Fallback xmlns="">
-      <p:transition advClick="0" advTm="5000"/>
+      <p:transition advClick="0" advTm="10000"/>
     </mc:Fallback>
   </mc:AlternateContent>
 </p:sld>
@@ -9143,6 +9239,85 @@
         </p:nvSpPr>
         <p:spPr>
           <a:xfrm>
+            <a:off x="5677929" y="2613392"/>
+            <a:ext cx="836141" cy="1631216"/>
+          </a:xfrm>
+          <a:prstGeom prst="rect">
+            <a:avLst/>
+          </a:prstGeom>
+          <a:noFill/>
+        </p:spPr>
+        <p:txBody>
+          <a:bodyPr wrap="square" rtlCol="0">
+            <a:spAutoFit/>
+          </a:bodyPr>
+          <a:lstStyle/>
+          <a:p>
+            <a:r>
+              <a:rPr lang="it-IT" sz="10000" b="1" dirty="0">
+                <a:solidFill>
+                  <a:schemeClr val="bg1"/>
+                </a:solidFill>
+              </a:rPr>
+              <a:t>+</a:t>
+            </a:r>
+          </a:p>
+        </p:txBody>
+      </p:sp>
+    </p:spTree>
+    <p:extLst>
+      <p:ext uri="{BB962C8B-B14F-4D97-AF65-F5344CB8AC3E}">
+        <p14:creationId xmlns:p14="http://schemas.microsoft.com/office/powerpoint/2010/main" val="2464632187"/>
+      </p:ext>
+    </p:extLst>
+  </p:cSld>
+  <p:clrMapOvr>
+    <a:masterClrMapping/>
+  </p:clrMapOvr>
+  <mc:AlternateContent xmlns:mc="http://schemas.openxmlformats.org/markup-compatibility/2006" xmlns:p14="http://schemas.microsoft.com/office/powerpoint/2010/main">
+    <mc:Choice Requires="p14">
+      <p:transition p14:dur="10" advClick="0" advTm="5000"/>
+    </mc:Choice>
+    <mc:Fallback xmlns="">
+      <p:transition advClick="0" advTm="5000"/>
+    </mc:Fallback>
+  </mc:AlternateContent>
+</p:sld>
+</file>
+
+<file path=ppt/slides/slide71.xml><?xml version="1.0" encoding="utf-8"?>
+<p:sld xmlns:a="http://schemas.openxmlformats.org/drawingml/2006/main" xmlns:r="http://schemas.openxmlformats.org/officeDocument/2006/relationships" xmlns:p="http://schemas.openxmlformats.org/presentationml/2006/main">
+  <p:cSld>
+    <p:spTree>
+      <p:nvGrpSpPr>
+        <p:cNvPr id="1" name=""/>
+        <p:cNvGrpSpPr/>
+        <p:nvPr/>
+      </p:nvGrpSpPr>
+      <p:grpSpPr>
+        <a:xfrm>
+          <a:off x="0" y="0"/>
+          <a:ext cx="0" cy="0"/>
+          <a:chOff x="0" y="0"/>
+          <a:chExt cx="0" cy="0"/>
+        </a:xfrm>
+      </p:grpSpPr>
+      <p:sp>
+        <p:nvSpPr>
+          <p:cNvPr id="5" name="CasellaDiTesto 4">
+            <a:extLst>
+              <a:ext uri="{FF2B5EF4-FFF2-40B4-BE49-F238E27FC236}">
+                <a16:creationId xmlns:a16="http://schemas.microsoft.com/office/drawing/2014/main" id="{BD8962F1-B732-9259-B4E8-C6D18B78160E}"/>
+              </a:ext>
+            </a:extLst>
+          </p:cNvPr>
+          <p:cNvSpPr txBox="1">
+            <a:spLocks/>
+          </p:cNvSpPr>
+          <p:nvPr/>
+        </p:nvSpPr>
+        <p:spPr>
+          <a:xfrm>
             <a:off x="3222410" y="2613392"/>
             <a:ext cx="5747180" cy="1631216"/>
           </a:xfrm>
@@ -9178,12 +9353,179 @@
   <p:clrMapOvr>
     <a:masterClrMapping/>
   </p:clrMapOvr>
+  <mc:AlternateContent xmlns:mc="http://schemas.openxmlformats.org/markup-compatibility/2006" xmlns:p14="http://schemas.microsoft.com/office/powerpoint/2010/main">
+    <mc:Choice Requires="p14">
+      <p:transition p14:dur="10" advClick="0" advTm="10000"/>
+    </mc:Choice>
+    <mc:Fallback xmlns="">
+      <p:transition advClick="0" advTm="10000"/>
+    </mc:Fallback>
+  </mc:AlternateContent>
+</p:sld>
+</file>
+
+<file path=ppt/slides/slide72.xml><?xml version="1.0" encoding="utf-8"?>
+<p:sld xmlns:a="http://schemas.openxmlformats.org/drawingml/2006/main" xmlns:r="http://schemas.openxmlformats.org/officeDocument/2006/relationships" xmlns:p="http://schemas.openxmlformats.org/presentationml/2006/main">
+  <p:cSld>
+    <p:spTree>
+      <p:nvGrpSpPr>
+        <p:cNvPr id="1" name=""/>
+        <p:cNvGrpSpPr/>
+        <p:nvPr/>
+      </p:nvGrpSpPr>
+      <p:grpSpPr>
+        <a:xfrm>
+          <a:off x="0" y="0"/>
+          <a:ext cx="0" cy="0"/>
+          <a:chOff x="0" y="0"/>
+          <a:chExt cx="0" cy="0"/>
+        </a:xfrm>
+      </p:grpSpPr>
+      <p:sp>
+        <p:nvSpPr>
+          <p:cNvPr id="2" name="Titolo 1">
+            <a:extLst>
+              <a:ext uri="{FF2B5EF4-FFF2-40B4-BE49-F238E27FC236}">
+                <a16:creationId xmlns:a16="http://schemas.microsoft.com/office/drawing/2014/main" id="{F87BCF18-1269-31A8-5462-DE3764673A96}"/>
+              </a:ext>
+            </a:extLst>
+          </p:cNvPr>
+          <p:cNvSpPr>
+            <a:spLocks noGrp="1"/>
+          </p:cNvSpPr>
+          <p:nvPr>
+            <p:ph type="title"/>
+          </p:nvPr>
+        </p:nvSpPr>
+        <p:spPr/>
+        <p:txBody>
+          <a:bodyPr/>
+          <a:lstStyle/>
+          <a:p>
+            <a:endParaRPr lang="it-IT"/>
+          </a:p>
+        </p:txBody>
+      </p:sp>
+      <p:sp>
+        <p:nvSpPr>
+          <p:cNvPr id="3" name="Segnaposto contenuto 2">
+            <a:extLst>
+              <a:ext uri="{FF2B5EF4-FFF2-40B4-BE49-F238E27FC236}">
+                <a16:creationId xmlns:a16="http://schemas.microsoft.com/office/drawing/2014/main" id="{BA16E854-17D9-A48B-86A5-1D34B75A47BA}"/>
+              </a:ext>
+            </a:extLst>
+          </p:cNvPr>
+          <p:cNvSpPr>
+            <a:spLocks noGrp="1"/>
+          </p:cNvSpPr>
+          <p:nvPr>
+            <p:ph idx="1"/>
+          </p:nvPr>
+        </p:nvSpPr>
+        <p:spPr/>
+        <p:txBody>
+          <a:bodyPr/>
+          <a:lstStyle/>
+          <a:p>
+            <a:endParaRPr lang="it-IT"/>
+          </a:p>
+        </p:txBody>
+      </p:sp>
+    </p:spTree>
+    <p:extLst>
+      <p:ext uri="{BB962C8B-B14F-4D97-AF65-F5344CB8AC3E}">
+        <p14:creationId xmlns:p14="http://schemas.microsoft.com/office/powerpoint/2010/main" val="1056980234"/>
+      </p:ext>
+    </p:extLst>
+  </p:cSld>
+  <p:clrMapOvr>
+    <a:masterClrMapping/>
+  </p:clrMapOvr>
   <mc:AlternateContent xmlns:mc="http://schemas.openxmlformats.org/markup-compatibility/2006">
     <mc:Choice xmlns:p14="http://schemas.microsoft.com/office/powerpoint/2010/main" Requires="p14">
-      <p:transition p14:dur="10" advClick="0" advTm="10000"/>
+      <p:transition p14:dur="10" advTm="30000"/>
     </mc:Choice>
     <mc:Fallback>
-      <p:transition advClick="0" advTm="10000"/>
+      <p:transition advTm="30000"/>
+    </mc:Fallback>
+  </mc:AlternateContent>
+</p:sld>
+</file>
+
+<file path=ppt/slides/slide73.xml><?xml version="1.0" encoding="utf-8"?>
+<p:sld xmlns:a="http://schemas.openxmlformats.org/drawingml/2006/main" xmlns:r="http://schemas.openxmlformats.org/officeDocument/2006/relationships" xmlns:p="http://schemas.openxmlformats.org/presentationml/2006/main">
+  <p:cSld>
+    <p:spTree>
+      <p:nvGrpSpPr>
+        <p:cNvPr id="1" name=""/>
+        <p:cNvGrpSpPr/>
+        <p:nvPr/>
+      </p:nvGrpSpPr>
+      <p:grpSpPr>
+        <a:xfrm>
+          <a:off x="0" y="0"/>
+          <a:ext cx="0" cy="0"/>
+          <a:chOff x="0" y="0"/>
+          <a:chExt cx="0" cy="0"/>
+        </a:xfrm>
+      </p:grpSpPr>
+      <p:sp>
+        <p:nvSpPr>
+          <p:cNvPr id="5" name="CasellaDiTesto 4">
+            <a:extLst>
+              <a:ext uri="{FF2B5EF4-FFF2-40B4-BE49-F238E27FC236}">
+                <a16:creationId xmlns:a16="http://schemas.microsoft.com/office/drawing/2014/main" id="{BD8962F1-B732-9259-B4E8-C6D18B78160E}"/>
+              </a:ext>
+            </a:extLst>
+          </p:cNvPr>
+          <p:cNvSpPr txBox="1">
+            <a:spLocks/>
+          </p:cNvSpPr>
+          <p:nvPr/>
+        </p:nvSpPr>
+        <p:spPr>
+          <a:xfrm>
+            <a:off x="4804873" y="2613392"/>
+            <a:ext cx="2582253" cy="1631216"/>
+          </a:xfrm>
+          <a:prstGeom prst="rect">
+            <a:avLst/>
+          </a:prstGeom>
+          <a:noFill/>
+        </p:spPr>
+        <p:txBody>
+          <a:bodyPr wrap="square" rtlCol="0">
+            <a:spAutoFit/>
+          </a:bodyPr>
+          <a:lstStyle/>
+          <a:p>
+            <a:r>
+              <a:rPr lang="it-IT" sz="10000" b="1" dirty="0">
+                <a:solidFill>
+                  <a:schemeClr val="bg1"/>
+                </a:solidFill>
+              </a:rPr>
+              <a:t>FINE</a:t>
+            </a:r>
+          </a:p>
+        </p:txBody>
+      </p:sp>
+    </p:spTree>
+    <p:extLst>
+      <p:ext uri="{BB962C8B-B14F-4D97-AF65-F5344CB8AC3E}">
+        <p14:creationId xmlns:p14="http://schemas.microsoft.com/office/powerpoint/2010/main" val="4195096278"/>
+      </p:ext>
+    </p:extLst>
+  </p:cSld>
+  <p:clrMapOvr>
+    <a:masterClrMapping/>
+  </p:clrMapOvr>
+  <mc:AlternateContent xmlns:mc="http://schemas.openxmlformats.org/markup-compatibility/2006">
+    <mc:Choice xmlns:p14="http://schemas.microsoft.com/office/powerpoint/2010/main" Requires="p14">
+      <p:transition p14:dur="10" advClick="0" advTm="300000"/>
+    </mc:Choice>
+    <mc:Fallback>
+      <p:transition advClick="0" advTm="300000"/>
     </mc:Fallback>
   </mc:AlternateContent>
 </p:sld>
@@ -9222,8 +9564,8 @@
         </p:nvSpPr>
         <p:spPr>
           <a:xfrm>
-            <a:off x="3222410" y="2613392"/>
-            <a:ext cx="5747180" cy="1631216"/>
+            <a:off x="5677929" y="2613392"/>
+            <a:ext cx="836141" cy="1631216"/>
           </a:xfrm>
           <a:prstGeom prst="rect">
             <a:avLst/>
@@ -9242,7 +9584,7 @@
                   <a:schemeClr val="bg1"/>
                 </a:solidFill>
               </a:rPr>
-              <a:t>TRISTEZZA</a:t>
+              <a:t>+</a:t>
             </a:r>
           </a:p>
         </p:txBody>
@@ -9250,19 +9592,19 @@
     </p:spTree>
     <p:extLst>
       <p:ext uri="{BB962C8B-B14F-4D97-AF65-F5344CB8AC3E}">
-        <p14:creationId xmlns:p14="http://schemas.microsoft.com/office/powerpoint/2010/main" val="1747124663"/>
+        <p14:creationId xmlns:p14="http://schemas.microsoft.com/office/powerpoint/2010/main" val="1934058031"/>
       </p:ext>
     </p:extLst>
   </p:cSld>
   <p:clrMapOvr>
     <a:masterClrMapping/>
   </p:clrMapOvr>
-  <mc:AlternateContent xmlns:mc="http://schemas.openxmlformats.org/markup-compatibility/2006">
-    <mc:Choice xmlns:p14="http://schemas.microsoft.com/office/powerpoint/2010/main" Requires="p14">
-      <p:transition p14:dur="10" advClick="0" advTm="10000"/>
+  <mc:AlternateContent xmlns:mc="http://schemas.openxmlformats.org/markup-compatibility/2006" xmlns:p14="http://schemas.microsoft.com/office/powerpoint/2010/main">
+    <mc:Choice Requires="p14">
+      <p:transition p14:dur="10" advClick="0" advTm="5000"/>
     </mc:Choice>
-    <mc:Fallback>
-      <p:transition advClick="0" advTm="10000"/>
+    <mc:Fallback xmlns="">
+      <p:transition advClick="0" advTm="5000"/>
     </mc:Fallback>
   </mc:AlternateContent>
 </p:sld>
@@ -9301,8 +9643,8 @@
         </p:nvSpPr>
         <p:spPr>
           <a:xfrm>
-            <a:off x="5677929" y="2613392"/>
-            <a:ext cx="836141" cy="1631216"/>
+            <a:off x="3222410" y="2613392"/>
+            <a:ext cx="5747180" cy="1631216"/>
           </a:xfrm>
           <a:prstGeom prst="rect">
             <a:avLst/>
@@ -9321,7 +9663,7 @@
                   <a:schemeClr val="bg1"/>
                 </a:solidFill>
               </a:rPr>
-              <a:t>+</a:t>
+              <a:t>TRISTEZZA</a:t>
             </a:r>
           </a:p>
         </p:txBody>
@@ -9329,7 +9671,7 @@
     </p:spTree>
     <p:extLst>
       <p:ext uri="{BB962C8B-B14F-4D97-AF65-F5344CB8AC3E}">
-        <p14:creationId xmlns:p14="http://schemas.microsoft.com/office/powerpoint/2010/main" val="2944098668"/>
+        <p14:creationId xmlns:p14="http://schemas.microsoft.com/office/powerpoint/2010/main" val="1747124663"/>
       </p:ext>
     </p:extLst>
   </p:cSld>
@@ -9338,10 +9680,10 @@
   </p:clrMapOvr>
   <mc:AlternateContent xmlns:mc="http://schemas.openxmlformats.org/markup-compatibility/2006" xmlns:p14="http://schemas.microsoft.com/office/powerpoint/2010/main">
     <mc:Choice Requires="p14">
-      <p:transition p14:dur="10" advClick="0" advTm="5000"/>
+      <p:transition p14:dur="10" advClick="0" advTm="10000"/>
     </mc:Choice>
     <mc:Fallback xmlns="">
-      <p:transition advClick="0" advTm="5000"/>
+      <p:transition advClick="0" advTm="10000"/>
     </mc:Fallback>
   </mc:AlternateContent>
 </p:sld>
